--- a/CPP-Examples/STL/STL_Presentation.pptx
+++ b/CPP-Examples/STL/STL_Presentation.pptx
@@ -107,6 +107,11 @@
       </a:defRPr>
     </a:lvl9pPr>
   </p:defaultTextStyle>
+  <p:extLst>
+    <p:ext uri="{EFAFB233-063F-42B5-8137-9DF3F51BA10A}">
+      <p15:sldGuideLst xmlns:p15="http://schemas.microsoft.com/office/powerpoint/2012/main"/>
+    </p:ext>
+  </p:extLst>
 </p:presentation>
 </file>
 
@@ -257,7 +262,7 @@
           <a:p>
             <a:fld id="{E2B668D4-B287-43EC-B7EB-12E01689B4F9}" type="datetimeFigureOut">
               <a:rPr lang="en-US" smtClean="0"/>
-              <a:t>8/10/2022</a:t>
+              <a:t>11/10/2022</a:t>
             </a:fld>
             <a:endParaRPr lang="en-US"/>
           </a:p>
@@ -455,7 +460,7 @@
           <a:p>
             <a:fld id="{E2B668D4-B287-43EC-B7EB-12E01689B4F9}" type="datetimeFigureOut">
               <a:rPr lang="en-US" smtClean="0"/>
-              <a:t>8/10/2022</a:t>
+              <a:t>11/10/2022</a:t>
             </a:fld>
             <a:endParaRPr lang="en-US"/>
           </a:p>
@@ -663,7 +668,7 @@
           <a:p>
             <a:fld id="{E2B668D4-B287-43EC-B7EB-12E01689B4F9}" type="datetimeFigureOut">
               <a:rPr lang="en-US" smtClean="0"/>
-              <a:t>8/10/2022</a:t>
+              <a:t>11/10/2022</a:t>
             </a:fld>
             <a:endParaRPr lang="en-US"/>
           </a:p>
@@ -861,7 +866,7 @@
           <a:p>
             <a:fld id="{E2B668D4-B287-43EC-B7EB-12E01689B4F9}" type="datetimeFigureOut">
               <a:rPr lang="en-US" smtClean="0"/>
-              <a:t>8/10/2022</a:t>
+              <a:t>11/10/2022</a:t>
             </a:fld>
             <a:endParaRPr lang="en-US"/>
           </a:p>
@@ -1136,7 +1141,7 @@
           <a:p>
             <a:fld id="{E2B668D4-B287-43EC-B7EB-12E01689B4F9}" type="datetimeFigureOut">
               <a:rPr lang="en-US" smtClean="0"/>
-              <a:t>8/10/2022</a:t>
+              <a:t>11/10/2022</a:t>
             </a:fld>
             <a:endParaRPr lang="en-US"/>
           </a:p>
@@ -1401,7 +1406,7 @@
           <a:p>
             <a:fld id="{E2B668D4-B287-43EC-B7EB-12E01689B4F9}" type="datetimeFigureOut">
               <a:rPr lang="en-US" smtClean="0"/>
-              <a:t>8/10/2022</a:t>
+              <a:t>11/10/2022</a:t>
             </a:fld>
             <a:endParaRPr lang="en-US"/>
           </a:p>
@@ -1813,7 +1818,7 @@
           <a:p>
             <a:fld id="{E2B668D4-B287-43EC-B7EB-12E01689B4F9}" type="datetimeFigureOut">
               <a:rPr lang="en-US" smtClean="0"/>
-              <a:t>8/10/2022</a:t>
+              <a:t>11/10/2022</a:t>
             </a:fld>
             <a:endParaRPr lang="en-US"/>
           </a:p>
@@ -1954,7 +1959,7 @@
           <a:p>
             <a:fld id="{E2B668D4-B287-43EC-B7EB-12E01689B4F9}" type="datetimeFigureOut">
               <a:rPr lang="en-US" smtClean="0"/>
-              <a:t>8/10/2022</a:t>
+              <a:t>11/10/2022</a:t>
             </a:fld>
             <a:endParaRPr lang="en-US"/>
           </a:p>
@@ -2067,7 +2072,7 @@
           <a:p>
             <a:fld id="{E2B668D4-B287-43EC-B7EB-12E01689B4F9}" type="datetimeFigureOut">
               <a:rPr lang="en-US" smtClean="0"/>
-              <a:t>8/10/2022</a:t>
+              <a:t>11/10/2022</a:t>
             </a:fld>
             <a:endParaRPr lang="en-US"/>
           </a:p>
@@ -2378,7 +2383,7 @@
           <a:p>
             <a:fld id="{E2B668D4-B287-43EC-B7EB-12E01689B4F9}" type="datetimeFigureOut">
               <a:rPr lang="en-US" smtClean="0"/>
-              <a:t>8/10/2022</a:t>
+              <a:t>11/10/2022</a:t>
             </a:fld>
             <a:endParaRPr lang="en-US"/>
           </a:p>
@@ -2666,7 +2671,7 @@
           <a:p>
             <a:fld id="{E2B668D4-B287-43EC-B7EB-12E01689B4F9}" type="datetimeFigureOut">
               <a:rPr lang="en-US" smtClean="0"/>
-              <a:t>8/10/2022</a:t>
+              <a:t>11/10/2022</a:t>
             </a:fld>
             <a:endParaRPr lang="en-US"/>
           </a:p>
@@ -2907,7 +2912,7 @@
           <a:p>
             <a:fld id="{E2B668D4-B287-43EC-B7EB-12E01689B4F9}" type="datetimeFigureOut">
               <a:rPr lang="en-US" smtClean="0"/>
-              <a:t>8/10/2022</a:t>
+              <a:t>11/10/2022</a:t>
             </a:fld>
             <a:endParaRPr lang="en-US"/>
           </a:p>
@@ -3533,69 +3538,283 @@
           </a:p>
         </p:txBody>
       </p:sp>
-      <p:sp>
-        <p:nvSpPr>
-          <p:cNvPr id="3" name="Content Placeholder 2">
-            <a:extLst>
-              <a:ext uri="{FF2B5EF4-FFF2-40B4-BE49-F238E27FC236}">
-                <a16:creationId xmlns:a16="http://schemas.microsoft.com/office/drawing/2014/main" id="{6AABCCB0-7017-DF98-D434-B31366113BC7}"/>
-              </a:ext>
-            </a:extLst>
-          </p:cNvPr>
-          <p:cNvSpPr>
-            <a:spLocks noGrp="1"/>
-          </p:cNvSpPr>
-          <p:nvPr>
-            <p:ph idx="1"/>
-          </p:nvPr>
-        </p:nvSpPr>
-        <p:spPr/>
-        <p:txBody>
-          <a:bodyPr>
-            <a:normAutofit/>
-          </a:bodyPr>
-          <a:lstStyle/>
-          <a:p>
-            <a:r>
-              <a:rPr lang="en-US" dirty="0"/>
-              <a:t>Dynamic arrays with the ability to resize itself.</a:t>
-            </a:r>
-          </a:p>
-          <a:p>
-            <a:r>
-              <a:rPr lang="en-US" dirty="0"/>
-              <a:t>Interesting functions:</a:t>
-            </a:r>
-          </a:p>
-          <a:p>
-            <a:pPr lvl="1"/>
-            <a:r>
-              <a:rPr lang="en-US" dirty="0" err="1"/>
-              <a:t>max_size</a:t>
-            </a:r>
-            <a:r>
-              <a:rPr lang="en-US" dirty="0"/>
-              <a:t>: </a:t>
-            </a:r>
-            <a:r>
-              <a:rPr lang="en-US" b="0" i="0" dirty="0">
-                <a:effectLst/>
-              </a:rPr>
-              <a:t>Theoretical maximum number of items that could be put in a vector. </a:t>
-            </a:r>
-          </a:p>
-          <a:p>
-            <a:pPr lvl="1"/>
-            <a:endParaRPr lang="en-US" dirty="0"/>
-          </a:p>
-          <a:p>
-            <a:endParaRPr lang="en-US" dirty="0"/>
-          </a:p>
-          <a:p>
-            <a:endParaRPr lang="en-US" dirty="0"/>
-          </a:p>
-        </p:txBody>
-      </p:sp>
+      <mc:AlternateContent xmlns:mc="http://schemas.openxmlformats.org/markup-compatibility/2006">
+        <mc:Choice xmlns:a14="http://schemas.microsoft.com/office/drawing/2010/main" Requires="a14">
+          <p:sp>
+            <p:nvSpPr>
+              <p:cNvPr id="3" name="Content Placeholder 2">
+                <a:extLst>
+                  <a:ext uri="{FF2B5EF4-FFF2-40B4-BE49-F238E27FC236}">
+                    <a16:creationId xmlns:a16="http://schemas.microsoft.com/office/drawing/2014/main" id="{6AABCCB0-7017-DF98-D434-B31366113BC7}"/>
+                  </a:ext>
+                </a:extLst>
+              </p:cNvPr>
+              <p:cNvSpPr>
+                <a:spLocks noGrp="1"/>
+              </p:cNvSpPr>
+              <p:nvPr>
+                <p:ph idx="1"/>
+              </p:nvPr>
+            </p:nvSpPr>
+            <p:spPr/>
+            <p:txBody>
+              <a:bodyPr>
+                <a:normAutofit fontScale="92500"/>
+              </a:bodyPr>
+              <a:lstStyle/>
+              <a:p>
+                <a:r>
+                  <a:rPr lang="en-US" dirty="0"/>
+                  <a:t>Dynamic arrays with the ability to resize itself.</a:t>
+                </a:r>
+              </a:p>
+              <a:p>
+                <a:r>
+                  <a:rPr lang="en-US" dirty="0"/>
+                  <a:t>Interesting functions:</a:t>
+                </a:r>
+              </a:p>
+              <a:p>
+                <a:endParaRPr lang="en-US" dirty="0"/>
+              </a:p>
+              <a:p>
+                <a:pPr lvl="1"/>
+                <a:r>
+                  <a:rPr lang="en-US" dirty="0" err="1"/>
+                  <a:t>shrink_to_fit</a:t>
+                </a:r>
+                <a:r>
+                  <a:rPr lang="en-US" dirty="0"/>
+                  <a:t>: Requests reduction of unused capacity.</a:t>
+                </a:r>
+              </a:p>
+              <a:p>
+                <a:pPr lvl="2">
+                  <a:buFontTx/>
+                  <a:buChar char="-"/>
+                </a:pPr>
+                <a:r>
+                  <a:rPr lang="en-US" dirty="0"/>
+                  <a:t>Non binding request.</a:t>
+                </a:r>
+              </a:p>
+              <a:p>
+                <a:pPr lvl="2">
+                  <a:buFontTx/>
+                  <a:buChar char="-"/>
+                </a:pPr>
+                <a:r>
+                  <a:rPr lang="en-US" dirty="0"/>
+                  <a:t>O(N)</a:t>
+                </a:r>
+              </a:p>
+              <a:p>
+                <a:pPr marL="0" indent="0">
+                  <a:buNone/>
+                </a:pPr>
+                <a:endParaRPr lang="en-US" dirty="0"/>
+              </a:p>
+              <a:p>
+                <a:pPr lvl="1"/>
+                <a:r>
+                  <a:rPr lang="en-US" dirty="0" err="1"/>
+                  <a:t>max_size</a:t>
+                </a:r>
+                <a:r>
+                  <a:rPr lang="en-US" dirty="0"/>
+                  <a:t>: </a:t>
+                </a:r>
+                <a:r>
+                  <a:rPr lang="en-US" b="0" i="0" dirty="0">
+                    <a:effectLst/>
+                  </a:rPr>
+                  <a:t>Theoretical maximum number of items that could be put in a vector. </a:t>
+                </a:r>
+              </a:p>
+              <a:p>
+                <a:pPr lvl="2"/>
+                <a:r>
+                  <a:rPr lang="en-US" dirty="0"/>
+                  <a:t>E.g.:</a:t>
+                </a:r>
+              </a:p>
+              <a:p>
+                <a:pPr lvl="2">
+                  <a:buFontTx/>
+                  <a:buChar char="-"/>
+                </a:pPr>
+                <a:r>
+                  <a:rPr lang="en-US" dirty="0"/>
+                  <a:t>Let 32 bit system and char = 1 bit. </a:t>
+                </a:r>
+                <a:r>
+                  <a:rPr lang="en-US" dirty="0" err="1"/>
+                  <a:t>max_size</a:t>
+                </a:r>
+                <a:r>
+                  <a:rPr lang="en-US" dirty="0"/>
+                  <a:t> = </a:t>
+                </a:r>
+                <a14:m>
+                  <m:oMath xmlns:m="http://schemas.openxmlformats.org/officeDocument/2006/math">
+                    <m:sSup>
+                      <m:sSupPr>
+                        <m:ctrlPr>
+                          <a:rPr lang="en-US" i="1" smtClean="0">
+                            <a:latin typeface="Cambria Math" panose="02040503050406030204" pitchFamily="18" charset="0"/>
+                          </a:rPr>
+                        </m:ctrlPr>
+                      </m:sSupPr>
+                      <m:e>
+                        <m:r>
+                          <a:rPr lang="en-US" b="0" i="1" smtClean="0">
+                            <a:latin typeface="Cambria Math" panose="02040503050406030204" pitchFamily="18" charset="0"/>
+                          </a:rPr>
+                          <m:t>2</m:t>
+                        </m:r>
+                      </m:e>
+                      <m:sup>
+                        <m:r>
+                          <a:rPr lang="en-US" b="0" i="1" smtClean="0">
+                            <a:latin typeface="Cambria Math" panose="02040503050406030204" pitchFamily="18" charset="0"/>
+                          </a:rPr>
+                          <m:t>32</m:t>
+                        </m:r>
+                      </m:sup>
+                    </m:sSup>
+                  </m:oMath>
+                </a14:m>
+                <a:r>
+                  <a:rPr lang="en-US" dirty="0"/>
+                  <a:t> char values.</a:t>
+                </a:r>
+              </a:p>
+              <a:p>
+                <a:pPr lvl="2">
+                  <a:buFontTx/>
+                  <a:buChar char="-"/>
+                </a:pPr>
+                <a:r>
+                  <a:rPr lang="en-US" dirty="0"/>
+                  <a:t>Let 32 bit system and int = 4 bit. </a:t>
+                </a:r>
+                <a:r>
+                  <a:rPr lang="en-US" dirty="0" err="1"/>
+                  <a:t>max_size</a:t>
+                </a:r>
+                <a:r>
+                  <a:rPr lang="en-US" dirty="0"/>
+                  <a:t> = </a:t>
+                </a:r>
+                <a14:m>
+                  <m:oMath xmlns:m="http://schemas.openxmlformats.org/officeDocument/2006/math">
+                    <m:sSup>
+                      <m:sSupPr>
+                        <m:ctrlPr>
+                          <a:rPr lang="en-US" i="1" smtClean="0">
+                            <a:latin typeface="Cambria Math" panose="02040503050406030204" pitchFamily="18" charset="0"/>
+                          </a:rPr>
+                        </m:ctrlPr>
+                      </m:sSupPr>
+                      <m:e>
+                        <m:r>
+                          <a:rPr lang="en-US" b="0" i="1" smtClean="0">
+                            <a:latin typeface="Cambria Math" panose="02040503050406030204" pitchFamily="18" charset="0"/>
+                          </a:rPr>
+                          <m:t>2</m:t>
+                        </m:r>
+                      </m:e>
+                      <m:sup>
+                        <m:r>
+                          <a:rPr lang="en-US" b="0" i="1" smtClean="0">
+                            <a:latin typeface="Cambria Math" panose="02040503050406030204" pitchFamily="18" charset="0"/>
+                          </a:rPr>
+                          <m:t>3</m:t>
+                        </m:r>
+                        <m:r>
+                          <a:rPr lang="en-US" b="0" i="1" smtClean="0">
+                            <a:latin typeface="Cambria Math" panose="02040503050406030204" pitchFamily="18" charset="0"/>
+                          </a:rPr>
+                          <m:t>0</m:t>
+                        </m:r>
+                      </m:sup>
+                    </m:sSup>
+                  </m:oMath>
+                </a14:m>
+                <a:r>
+                  <a:rPr lang="en-US" dirty="0"/>
+                  <a:t> int values.</a:t>
+                </a:r>
+              </a:p>
+              <a:p>
+                <a:pPr lvl="2">
+                  <a:buFontTx/>
+                  <a:buChar char="-"/>
+                </a:pPr>
+                <a:endParaRPr lang="en-US" dirty="0"/>
+              </a:p>
+              <a:p>
+                <a:pPr lvl="2">
+                  <a:buFontTx/>
+                  <a:buChar char="-"/>
+                </a:pPr>
+                <a:endParaRPr lang="en-US" b="0" i="0" dirty="0">
+                  <a:effectLst/>
+                </a:endParaRPr>
+              </a:p>
+              <a:p>
+                <a:pPr lvl="1"/>
+                <a:endParaRPr lang="en-US" dirty="0"/>
+              </a:p>
+              <a:p>
+                <a:endParaRPr lang="en-US" dirty="0"/>
+              </a:p>
+              <a:p>
+                <a:endParaRPr lang="en-US" dirty="0"/>
+              </a:p>
+            </p:txBody>
+          </p:sp>
+        </mc:Choice>
+        <mc:Fallback>
+          <p:sp>
+            <p:nvSpPr>
+              <p:cNvPr id="3" name="Content Placeholder 2">
+                <a:extLst>
+                  <a:ext uri="{FF2B5EF4-FFF2-40B4-BE49-F238E27FC236}">
+                    <a16:creationId xmlns:a16="http://schemas.microsoft.com/office/drawing/2014/main" id="{6AABCCB0-7017-DF98-D434-B31366113BC7}"/>
+                  </a:ext>
+                </a:extLst>
+              </p:cNvPr>
+              <p:cNvSpPr>
+                <a:spLocks noGrp="1" noRot="1" noChangeAspect="1" noMove="1" noResize="1" noEditPoints="1" noAdjustHandles="1" noChangeArrowheads="1" noChangeShapeType="1" noTextEdit="1"/>
+              </p:cNvSpPr>
+              <p:nvPr>
+                <p:ph idx="1"/>
+              </p:nvPr>
+            </p:nvSpPr>
+            <p:spPr>
+              <a:blipFill>
+                <a:blip r:embed="rId2"/>
+                <a:stretch>
+                  <a:fillRect l="-928" t="-2101" b="-280"/>
+                </a:stretch>
+              </a:blipFill>
+            </p:spPr>
+            <p:txBody>
+              <a:bodyPr/>
+              <a:lstStyle/>
+              <a:p>
+                <a:r>
+                  <a:rPr lang="en-US">
+                    <a:noFill/>
+                  </a:rPr>
+                  <a:t> </a:t>
+                </a:r>
+              </a:p>
+            </p:txBody>
+          </p:sp>
+        </mc:Fallback>
+      </mc:AlternateContent>
     </p:spTree>
     <p:extLst>
       <p:ext uri="{BB962C8B-B14F-4D97-AF65-F5344CB8AC3E}">
@@ -3784,6 +4003,220 @@
               </a:rPr>
               <a:t>https://www.geeksforgeeks.org/vector-in-cpp-stl/</a:t>
             </a:r>
+            <a:endParaRPr kumimoji="0" lang="en-US" sz="900" b="0" i="0" u="none" strike="noStrike" kern="1200" cap="none" spc="0" normalizeH="0" baseline="0" noProof="0" dirty="0">
+              <a:ln>
+                <a:noFill/>
+              </a:ln>
+              <a:solidFill>
+                <a:prstClr val="black"/>
+              </a:solidFill>
+              <a:effectLst/>
+              <a:uLnTx/>
+              <a:uFillTx/>
+              <a:latin typeface="Calibri" panose="020F0502020204030204"/>
+              <a:ea typeface="+mn-ea"/>
+              <a:cs typeface="+mn-cs"/>
+            </a:endParaRPr>
+          </a:p>
+          <a:p>
+            <a:pPr marL="0" indent="0">
+              <a:buNone/>
+              <a:defRPr/>
+            </a:pPr>
+            <a:r>
+              <a:rPr kumimoji="0" lang="en-US" sz="900" b="0" i="0" u="none" strike="noStrike" kern="1200" cap="none" spc="0" normalizeH="0" baseline="0" noProof="0" dirty="0">
+                <a:ln>
+                  <a:noFill/>
+                </a:ln>
+                <a:solidFill>
+                  <a:prstClr val="black"/>
+                </a:solidFill>
+                <a:effectLst/>
+                <a:uLnTx/>
+                <a:uFillTx/>
+                <a:latin typeface="Calibri" panose="020F0502020204030204"/>
+                <a:ea typeface="+mn-ea"/>
+                <a:cs typeface="+mn-cs"/>
+                <a:hlinkClick r:id="rId4"/>
+              </a:rPr>
+              <a:t>https://qr.ae/pGclP6</a:t>
+            </a:r>
+            <a:endParaRPr kumimoji="0" lang="en-US" sz="900" b="0" i="0" u="none" strike="noStrike" kern="1200" cap="none" spc="0" normalizeH="0" baseline="0" noProof="0" dirty="0">
+              <a:ln>
+                <a:noFill/>
+              </a:ln>
+              <a:solidFill>
+                <a:prstClr val="black"/>
+              </a:solidFill>
+              <a:effectLst/>
+              <a:uLnTx/>
+              <a:uFillTx/>
+              <a:latin typeface="Calibri" panose="020F0502020204030204"/>
+              <a:ea typeface="+mn-ea"/>
+              <a:cs typeface="+mn-cs"/>
+            </a:endParaRPr>
+          </a:p>
+          <a:p>
+            <a:pPr marL="0" indent="0">
+              <a:buNone/>
+              <a:defRPr/>
+            </a:pPr>
+            <a:r>
+              <a:rPr lang="en-US" sz="900" dirty="0">
+                <a:solidFill>
+                  <a:prstClr val="black"/>
+                </a:solidFill>
+                <a:latin typeface="Calibri" panose="020F0502020204030204"/>
+                <a:hlinkClick r:id="rId5"/>
+              </a:rPr>
+              <a:t>https://stackoverflow.com/a/3813203/4168707</a:t>
+            </a:r>
+            <a:endParaRPr lang="en-US" sz="900" dirty="0">
+              <a:solidFill>
+                <a:prstClr val="black"/>
+              </a:solidFill>
+              <a:latin typeface="Calibri" panose="020F0502020204030204"/>
+            </a:endParaRPr>
+          </a:p>
+          <a:p>
+            <a:pPr marL="0" indent="0">
+              <a:buNone/>
+              <a:defRPr/>
+            </a:pPr>
+            <a:r>
+              <a:rPr lang="en-US" sz="900" dirty="0">
+                <a:solidFill>
+                  <a:prstClr val="black"/>
+                </a:solidFill>
+                <a:latin typeface="Calibri" panose="020F0502020204030204"/>
+                <a:hlinkClick r:id="rId6"/>
+              </a:rPr>
+              <a:t>https://stackoverflow.com/a/2664094/4168707</a:t>
+            </a:r>
+            <a:endParaRPr lang="en-US" sz="900" dirty="0">
+              <a:solidFill>
+                <a:prstClr val="black"/>
+              </a:solidFill>
+              <a:latin typeface="Calibri" panose="020F0502020204030204"/>
+            </a:endParaRPr>
+          </a:p>
+          <a:p>
+            <a:pPr marL="0" indent="0">
+              <a:buNone/>
+              <a:defRPr/>
+            </a:pPr>
+            <a:r>
+              <a:rPr lang="en-US" sz="900" dirty="0">
+                <a:solidFill>
+                  <a:prstClr val="black"/>
+                </a:solidFill>
+                <a:latin typeface="Calibri" panose="020F0502020204030204"/>
+                <a:hlinkClick r:id="rId7"/>
+              </a:rPr>
+              <a:t>https://en.cppreference.com/w/cpp/container/vector/shrink_to_fit</a:t>
+            </a:r>
+            <a:endParaRPr lang="en-US" sz="900" dirty="0">
+              <a:solidFill>
+                <a:prstClr val="black"/>
+              </a:solidFill>
+              <a:latin typeface="Calibri" panose="020F0502020204030204"/>
+            </a:endParaRPr>
+          </a:p>
+          <a:p>
+            <a:pPr marL="0" indent="0">
+              <a:buNone/>
+              <a:defRPr/>
+            </a:pPr>
+            <a:r>
+              <a:rPr lang="en-US" sz="900" dirty="0">
+                <a:solidFill>
+                  <a:prstClr val="black"/>
+                </a:solidFill>
+                <a:latin typeface="Calibri" panose="020F0502020204030204"/>
+                <a:hlinkClick r:id="rId8"/>
+              </a:rPr>
+              <a:t>https://stackoverflow.com/q/16518533/4168707</a:t>
+            </a:r>
+            <a:endParaRPr lang="en-US" sz="900" dirty="0">
+              <a:solidFill>
+                <a:prstClr val="black"/>
+              </a:solidFill>
+              <a:latin typeface="Calibri" panose="020F0502020204030204"/>
+            </a:endParaRPr>
+          </a:p>
+          <a:p>
+            <a:pPr marL="0" indent="0">
+              <a:buNone/>
+              <a:defRPr/>
+            </a:pPr>
+            <a:r>
+              <a:rPr lang="en-US" sz="900" dirty="0">
+                <a:solidFill>
+                  <a:prstClr val="black"/>
+                </a:solidFill>
+                <a:latin typeface="Calibri" panose="020F0502020204030204"/>
+                <a:hlinkClick r:id="rId9"/>
+              </a:rPr>
+              <a:t>https://stackoverflow.com/a/68637039/4168707</a:t>
+            </a:r>
+            <a:endParaRPr lang="en-US" sz="900" dirty="0">
+              <a:solidFill>
+                <a:prstClr val="black"/>
+              </a:solidFill>
+              <a:latin typeface="Calibri" panose="020F0502020204030204"/>
+            </a:endParaRPr>
+          </a:p>
+          <a:p>
+            <a:pPr marL="0" indent="0">
+              <a:buNone/>
+              <a:defRPr/>
+            </a:pPr>
+            <a:r>
+              <a:rPr lang="en-US" sz="900" dirty="0">
+                <a:solidFill>
+                  <a:prstClr val="black"/>
+                </a:solidFill>
+                <a:latin typeface="Calibri" panose="020F0502020204030204"/>
+                <a:hlinkClick r:id="rId10"/>
+              </a:rPr>
+              <a:t>https://www.opensourceforu.com/2021/05/memory-management-in-lists-and-tuples/</a:t>
+            </a:r>
+            <a:endParaRPr lang="en-US" sz="900" dirty="0">
+              <a:solidFill>
+                <a:prstClr val="black"/>
+              </a:solidFill>
+              <a:latin typeface="Calibri" panose="020F0502020204030204"/>
+            </a:endParaRPr>
+          </a:p>
+          <a:p>
+            <a:pPr marL="0" indent="0">
+              <a:buNone/>
+              <a:defRPr/>
+            </a:pPr>
+            <a:endParaRPr lang="en-US" sz="900" dirty="0">
+              <a:solidFill>
+                <a:prstClr val="black"/>
+              </a:solidFill>
+              <a:latin typeface="Calibri" panose="020F0502020204030204"/>
+            </a:endParaRPr>
+          </a:p>
+          <a:p>
+            <a:pPr marL="0" indent="0">
+              <a:buNone/>
+              <a:defRPr/>
+            </a:pPr>
+            <a:endParaRPr lang="en-US" sz="900" dirty="0">
+              <a:solidFill>
+                <a:prstClr val="black"/>
+              </a:solidFill>
+              <a:latin typeface="Calibri" panose="020F0502020204030204"/>
+            </a:endParaRPr>
+          </a:p>
+          <a:p>
+            <a:pPr marL="0" indent="0">
+              <a:buNone/>
+              <a:defRPr/>
+            </a:pPr>
             <a:endParaRPr kumimoji="0" lang="en-US" sz="900" b="0" i="0" u="none" strike="noStrike" kern="1200" cap="none" spc="0" normalizeH="0" baseline="0" noProof="0" dirty="0">
               <a:ln>
                 <a:noFill/>

--- a/CPP-Examples/STL/STL_Presentation.pptx
+++ b/CPP-Examples/STL/STL_Presentation.pptx
@@ -8,7 +8,8 @@
     <p:sldId id="256" r:id="rId2"/>
     <p:sldId id="258" r:id="rId3"/>
     <p:sldId id="257" r:id="rId4"/>
-    <p:sldId id="259" r:id="rId5"/>
+    <p:sldId id="260" r:id="rId5"/>
+    <p:sldId id="261" r:id="rId6"/>
   </p:sldIdLst>
   <p:sldSz cx="12192000" cy="6858000"/>
   <p:notesSz cx="6858000" cy="9144000"/>
@@ -262,7 +263,7 @@
           <a:p>
             <a:fld id="{E2B668D4-B287-43EC-B7EB-12E01689B4F9}" type="datetimeFigureOut">
               <a:rPr lang="en-US" smtClean="0"/>
-              <a:t>11/10/2022</a:t>
+              <a:t>16/10/2022</a:t>
             </a:fld>
             <a:endParaRPr lang="en-US"/>
           </a:p>
@@ -460,7 +461,7 @@
           <a:p>
             <a:fld id="{E2B668D4-B287-43EC-B7EB-12E01689B4F9}" type="datetimeFigureOut">
               <a:rPr lang="en-US" smtClean="0"/>
-              <a:t>11/10/2022</a:t>
+              <a:t>16/10/2022</a:t>
             </a:fld>
             <a:endParaRPr lang="en-US"/>
           </a:p>
@@ -668,7 +669,7 @@
           <a:p>
             <a:fld id="{E2B668D4-B287-43EC-B7EB-12E01689B4F9}" type="datetimeFigureOut">
               <a:rPr lang="en-US" smtClean="0"/>
-              <a:t>11/10/2022</a:t>
+              <a:t>16/10/2022</a:t>
             </a:fld>
             <a:endParaRPr lang="en-US"/>
           </a:p>
@@ -866,7 +867,7 @@
           <a:p>
             <a:fld id="{E2B668D4-B287-43EC-B7EB-12E01689B4F9}" type="datetimeFigureOut">
               <a:rPr lang="en-US" smtClean="0"/>
-              <a:t>11/10/2022</a:t>
+              <a:t>16/10/2022</a:t>
             </a:fld>
             <a:endParaRPr lang="en-US"/>
           </a:p>
@@ -1141,7 +1142,7 @@
           <a:p>
             <a:fld id="{E2B668D4-B287-43EC-B7EB-12E01689B4F9}" type="datetimeFigureOut">
               <a:rPr lang="en-US" smtClean="0"/>
-              <a:t>11/10/2022</a:t>
+              <a:t>16/10/2022</a:t>
             </a:fld>
             <a:endParaRPr lang="en-US"/>
           </a:p>
@@ -1406,7 +1407,7 @@
           <a:p>
             <a:fld id="{E2B668D4-B287-43EC-B7EB-12E01689B4F9}" type="datetimeFigureOut">
               <a:rPr lang="en-US" smtClean="0"/>
-              <a:t>11/10/2022</a:t>
+              <a:t>16/10/2022</a:t>
             </a:fld>
             <a:endParaRPr lang="en-US"/>
           </a:p>
@@ -1818,7 +1819,7 @@
           <a:p>
             <a:fld id="{E2B668D4-B287-43EC-B7EB-12E01689B4F9}" type="datetimeFigureOut">
               <a:rPr lang="en-US" smtClean="0"/>
-              <a:t>11/10/2022</a:t>
+              <a:t>16/10/2022</a:t>
             </a:fld>
             <a:endParaRPr lang="en-US"/>
           </a:p>
@@ -1959,7 +1960,7 @@
           <a:p>
             <a:fld id="{E2B668D4-B287-43EC-B7EB-12E01689B4F9}" type="datetimeFigureOut">
               <a:rPr lang="en-US" smtClean="0"/>
-              <a:t>11/10/2022</a:t>
+              <a:t>16/10/2022</a:t>
             </a:fld>
             <a:endParaRPr lang="en-US"/>
           </a:p>
@@ -2072,7 +2073,7 @@
           <a:p>
             <a:fld id="{E2B668D4-B287-43EC-B7EB-12E01689B4F9}" type="datetimeFigureOut">
               <a:rPr lang="en-US" smtClean="0"/>
-              <a:t>11/10/2022</a:t>
+              <a:t>16/10/2022</a:t>
             </a:fld>
             <a:endParaRPr lang="en-US"/>
           </a:p>
@@ -2383,7 +2384,7 @@
           <a:p>
             <a:fld id="{E2B668D4-B287-43EC-B7EB-12E01689B4F9}" type="datetimeFigureOut">
               <a:rPr lang="en-US" smtClean="0"/>
-              <a:t>11/10/2022</a:t>
+              <a:t>16/10/2022</a:t>
             </a:fld>
             <a:endParaRPr lang="en-US"/>
           </a:p>
@@ -2671,7 +2672,7 @@
           <a:p>
             <a:fld id="{E2B668D4-B287-43EC-B7EB-12E01689B4F9}" type="datetimeFigureOut">
               <a:rPr lang="en-US" smtClean="0"/>
-              <a:t>11/10/2022</a:t>
+              <a:t>16/10/2022</a:t>
             </a:fld>
             <a:endParaRPr lang="en-US"/>
           </a:p>
@@ -2912,7 +2913,7 @@
           <a:p>
             <a:fld id="{E2B668D4-B287-43EC-B7EB-12E01689B4F9}" type="datetimeFigureOut">
               <a:rPr lang="en-US" smtClean="0"/>
-              <a:t>11/10/2022</a:t>
+              <a:t>16/10/2022</a:t>
             </a:fld>
             <a:endParaRPr lang="en-US"/>
           </a:p>
@@ -3538,6 +3539,267 @@
           </a:p>
         </p:txBody>
       </p:sp>
+      <p:sp>
+        <p:nvSpPr>
+          <p:cNvPr id="3" name="Content Placeholder 2">
+            <a:extLst>
+              <a:ext uri="{FF2B5EF4-FFF2-40B4-BE49-F238E27FC236}">
+                <a16:creationId xmlns:a16="http://schemas.microsoft.com/office/drawing/2014/main" id="{6AABCCB0-7017-DF98-D434-B31366113BC7}"/>
+              </a:ext>
+            </a:extLst>
+          </p:cNvPr>
+          <p:cNvSpPr>
+            <a:spLocks noGrp="1"/>
+          </p:cNvSpPr>
+          <p:nvPr>
+            <p:ph idx="1"/>
+          </p:nvPr>
+        </p:nvSpPr>
+        <p:spPr>
+          <a:xfrm>
+            <a:off x="720754" y="1439731"/>
+            <a:ext cx="10515600" cy="4351338"/>
+          </a:xfrm>
+        </p:spPr>
+        <p:txBody>
+          <a:bodyPr>
+            <a:normAutofit/>
+          </a:bodyPr>
+          <a:lstStyle/>
+          <a:p>
+            <a:r>
+              <a:rPr lang="en-US" dirty="0"/>
+              <a:t>Dynamic arrays with the ability to resize itself.</a:t>
+            </a:r>
+          </a:p>
+          <a:p>
+            <a:r>
+              <a:rPr lang="en-US" dirty="0"/>
+              <a:t>Iterators, Capacity, Element Access</a:t>
+            </a:r>
+          </a:p>
+          <a:p>
+            <a:r>
+              <a:rPr lang="en-US" dirty="0"/>
+              <a:t>Interesting concepts:</a:t>
+            </a:r>
+          </a:p>
+          <a:p>
+            <a:pPr lvl="1"/>
+            <a:r>
+              <a:rPr lang="en-US" dirty="0"/>
+              <a:t>Iterator Invalidation</a:t>
+            </a:r>
+          </a:p>
+          <a:p>
+            <a:pPr lvl="2"/>
+            <a:r>
+              <a:rPr lang="en-US" dirty="0"/>
+              <a:t>Certain operations can invalidate current iterators</a:t>
+            </a:r>
+          </a:p>
+          <a:p>
+            <a:pPr marL="914400" lvl="2" indent="0">
+              <a:buNone/>
+            </a:pPr>
+            <a:r>
+              <a:rPr lang="en-US" dirty="0"/>
+              <a:t>    (E.g.: Resizing.)</a:t>
+            </a:r>
+          </a:p>
+        </p:txBody>
+      </p:sp>
+      <p:grpSp>
+        <p:nvGrpSpPr>
+          <p:cNvPr id="9" name="Group 8">
+            <a:extLst>
+              <a:ext uri="{FF2B5EF4-FFF2-40B4-BE49-F238E27FC236}">
+                <a16:creationId xmlns:a16="http://schemas.microsoft.com/office/drawing/2014/main" id="{87374666-695D-11C8-145F-B2BE80FE58F5}"/>
+              </a:ext>
+            </a:extLst>
+          </p:cNvPr>
+          <p:cNvGrpSpPr/>
+          <p:nvPr/>
+        </p:nvGrpSpPr>
+        <p:grpSpPr>
+          <a:xfrm>
+            <a:off x="7189365" y="2315361"/>
+            <a:ext cx="4572000" cy="2365696"/>
+            <a:chOff x="7164198" y="2315361"/>
+            <a:chExt cx="4572000" cy="2365696"/>
+          </a:xfrm>
+        </p:grpSpPr>
+        <p:pic>
+          <p:nvPicPr>
+            <p:cNvPr id="5" name="Picture 4">
+              <a:extLst>
+                <a:ext uri="{FF2B5EF4-FFF2-40B4-BE49-F238E27FC236}">
+                  <a16:creationId xmlns:a16="http://schemas.microsoft.com/office/drawing/2014/main" id="{F4B72D4C-300B-3229-6B18-71859F86E080}"/>
+                </a:ext>
+              </a:extLst>
+            </p:cNvPr>
+            <p:cNvPicPr>
+              <a:picLocks noChangeAspect="1"/>
+            </p:cNvPicPr>
+            <p:nvPr/>
+          </p:nvPicPr>
+          <p:blipFill>
+            <a:blip r:embed="rId2"/>
+            <a:stretch>
+              <a:fillRect/>
+            </a:stretch>
+          </p:blipFill>
+          <p:spPr>
+            <a:xfrm>
+              <a:off x="7256478" y="2432976"/>
+              <a:ext cx="4398539" cy="1739347"/>
+            </a:xfrm>
+            <a:prstGeom prst="rect">
+              <a:avLst/>
+            </a:prstGeom>
+          </p:spPr>
+        </p:pic>
+        <p:pic>
+          <p:nvPicPr>
+            <p:cNvPr id="7" name="Picture 6">
+              <a:extLst>
+                <a:ext uri="{FF2B5EF4-FFF2-40B4-BE49-F238E27FC236}">
+                  <a16:creationId xmlns:a16="http://schemas.microsoft.com/office/drawing/2014/main" id="{4FDD5A97-AB47-C00E-8B69-5DD8D4436A2C}"/>
+                </a:ext>
+              </a:extLst>
+            </p:cNvPr>
+            <p:cNvPicPr>
+              <a:picLocks noChangeAspect="1"/>
+            </p:cNvPicPr>
+            <p:nvPr/>
+          </p:nvPicPr>
+          <p:blipFill>
+            <a:blip r:embed="rId3"/>
+            <a:stretch>
+              <a:fillRect/>
+            </a:stretch>
+          </p:blipFill>
+          <p:spPr>
+            <a:xfrm>
+              <a:off x="7256478" y="4363676"/>
+              <a:ext cx="523948" cy="190527"/>
+            </a:xfrm>
+            <a:prstGeom prst="rect">
+              <a:avLst/>
+            </a:prstGeom>
+          </p:spPr>
+        </p:pic>
+        <p:sp>
+          <p:nvSpPr>
+            <p:cNvPr id="8" name="Rectangle 7">
+              <a:extLst>
+                <a:ext uri="{FF2B5EF4-FFF2-40B4-BE49-F238E27FC236}">
+                  <a16:creationId xmlns:a16="http://schemas.microsoft.com/office/drawing/2014/main" id="{F73EBA63-6015-0FCE-4CDF-9CEC89B0262B}"/>
+                </a:ext>
+              </a:extLst>
+            </p:cNvPr>
+            <p:cNvSpPr/>
+            <p:nvPr/>
+          </p:nvSpPr>
+          <p:spPr>
+            <a:xfrm>
+              <a:off x="7164198" y="2315361"/>
+              <a:ext cx="4572000" cy="2365696"/>
+            </a:xfrm>
+            <a:prstGeom prst="rect">
+              <a:avLst/>
+            </a:prstGeom>
+            <a:noFill/>
+            <a:ln>
+              <a:solidFill>
+                <a:schemeClr val="tx1"/>
+              </a:solidFill>
+            </a:ln>
+          </p:spPr>
+          <p:style>
+            <a:lnRef idx="2">
+              <a:schemeClr val="accent1">
+                <a:shade val="50000"/>
+              </a:schemeClr>
+            </a:lnRef>
+            <a:fillRef idx="1">
+              <a:schemeClr val="accent1"/>
+            </a:fillRef>
+            <a:effectRef idx="0">
+              <a:schemeClr val="accent1"/>
+            </a:effectRef>
+            <a:fontRef idx="minor">
+              <a:schemeClr val="lt1"/>
+            </a:fontRef>
+          </p:style>
+          <p:txBody>
+            <a:bodyPr rtlCol="0" anchor="ctr"/>
+            <a:lstStyle/>
+            <a:p>
+              <a:pPr algn="ctr"/>
+              <a:endParaRPr lang="en-US"/>
+            </a:p>
+          </p:txBody>
+        </p:sp>
+      </p:grpSp>
+    </p:spTree>
+    <p:extLst>
+      <p:ext uri="{BB962C8B-B14F-4D97-AF65-F5344CB8AC3E}">
+        <p14:creationId xmlns:p14="http://schemas.microsoft.com/office/powerpoint/2010/main" val="2520422284"/>
+      </p:ext>
+    </p:extLst>
+  </p:cSld>
+  <p:clrMapOvr>
+    <a:masterClrMapping/>
+  </p:clrMapOvr>
+</p:sld>
+</file>
+
+<file path=ppt/slides/slide4.xml><?xml version="1.0" encoding="utf-8"?>
+<p:sld xmlns:a="http://schemas.openxmlformats.org/drawingml/2006/main" xmlns:r="http://schemas.openxmlformats.org/officeDocument/2006/relationships" xmlns:p="http://schemas.openxmlformats.org/presentationml/2006/main">
+  <p:cSld>
+    <p:spTree>
+      <p:nvGrpSpPr>
+        <p:cNvPr id="1" name=""/>
+        <p:cNvGrpSpPr/>
+        <p:nvPr/>
+      </p:nvGrpSpPr>
+      <p:grpSpPr>
+        <a:xfrm>
+          <a:off x="0" y="0"/>
+          <a:ext cx="0" cy="0"/>
+          <a:chOff x="0" y="0"/>
+          <a:chExt cx="0" cy="0"/>
+        </a:xfrm>
+      </p:grpSpPr>
+      <p:sp>
+        <p:nvSpPr>
+          <p:cNvPr id="2" name="Title 1">
+            <a:extLst>
+              <a:ext uri="{FF2B5EF4-FFF2-40B4-BE49-F238E27FC236}">
+                <a16:creationId xmlns:a16="http://schemas.microsoft.com/office/drawing/2014/main" id="{74880610-6B8F-0049-0453-7CCE52B44BF3}"/>
+              </a:ext>
+            </a:extLst>
+          </p:cNvPr>
+          <p:cNvSpPr>
+            <a:spLocks noGrp="1"/>
+          </p:cNvSpPr>
+          <p:nvPr>
+            <p:ph type="title"/>
+          </p:nvPr>
+        </p:nvSpPr>
+        <p:spPr/>
+        <p:txBody>
+          <a:bodyPr/>
+          <a:lstStyle/>
+          <a:p>
+            <a:r>
+              <a:rPr lang="en-US" dirty="0"/>
+              <a:t>VECTORS</a:t>
+            </a:r>
+          </a:p>
+        </p:txBody>
+      </p:sp>
       <mc:AlternateContent xmlns:mc="http://schemas.openxmlformats.org/markup-compatibility/2006">
         <mc:Choice xmlns:a14="http://schemas.microsoft.com/office/drawing/2010/main" Requires="a14">
           <p:sp>
@@ -3556,26 +3818,22 @@
                 <p:ph idx="1"/>
               </p:nvPr>
             </p:nvSpPr>
-            <p:spPr/>
+            <p:spPr>
+              <a:xfrm>
+                <a:off x="720754" y="1439731"/>
+                <a:ext cx="10515600" cy="4351338"/>
+              </a:xfrm>
+            </p:spPr>
             <p:txBody>
               <a:bodyPr>
-                <a:normAutofit fontScale="92500"/>
+                <a:normAutofit/>
               </a:bodyPr>
               <a:lstStyle/>
               <a:p>
                 <a:r>
                   <a:rPr lang="en-US" dirty="0"/>
-                  <a:t>Dynamic arrays with the ability to resize itself.</a:t>
-                </a:r>
-              </a:p>
-              <a:p>
-                <a:r>
-                  <a:rPr lang="en-US" dirty="0"/>
                   <a:t>Interesting functions:</a:t>
                 </a:r>
-              </a:p>
-              <a:p>
-                <a:endParaRPr lang="en-US" dirty="0"/>
               </a:p>
               <a:p>
                 <a:pPr lvl="1"/>
@@ -3609,8 +3867,9 @@
                 </a:r>
               </a:p>
               <a:p>
-                <a:pPr marL="0" indent="0">
-                  <a:buNone/>
+                <a:pPr lvl="2">
+                  <a:buFontTx/>
+                  <a:buChar char="-"/>
                 </a:pPr>
                 <a:endParaRPr lang="en-US" dirty="0"/>
               </a:p>
@@ -3729,13 +3988,7 @@
                           <a:rPr lang="en-US" b="0" i="1" smtClean="0">
                             <a:latin typeface="Cambria Math" panose="02040503050406030204" pitchFamily="18" charset="0"/>
                           </a:rPr>
-                          <m:t>3</m:t>
-                        </m:r>
-                        <m:r>
-                          <a:rPr lang="en-US" b="0" i="1" smtClean="0">
-                            <a:latin typeface="Cambria Math" panose="02040503050406030204" pitchFamily="18" charset="0"/>
-                          </a:rPr>
-                          <m:t>0</m:t>
+                          <m:t>30</m:t>
                         </m:r>
                       </m:sup>
                     </m:sSup>
@@ -3744,6 +3997,23 @@
                 <a:r>
                   <a:rPr lang="en-US" dirty="0"/>
                   <a:t> int values.</a:t>
+                </a:r>
+              </a:p>
+              <a:p>
+                <a:pPr lvl="2">
+                  <a:buFontTx/>
+                  <a:buChar char="-"/>
+                </a:pPr>
+                <a:endParaRPr lang="en-US" dirty="0"/>
+              </a:p>
+              <a:p>
+                <a:pPr lvl="1">
+                  <a:buFontTx/>
+                  <a:buChar char="-"/>
+                </a:pPr>
+                <a:r>
+                  <a:rPr lang="en-US" dirty="0"/>
+                  <a:t>emplace: ??</a:t>
                 </a:r>
               </a:p>
               <a:p>
@@ -3793,10 +4063,14 @@
               </p:nvPr>
             </p:nvSpPr>
             <p:spPr>
+              <a:xfrm>
+                <a:off x="720754" y="1439731"/>
+                <a:ext cx="10515600" cy="4351338"/>
+              </a:xfrm>
               <a:blipFill>
                 <a:blip r:embed="rId2"/>
                 <a:stretch>
-                  <a:fillRect l="-928" t="-2101" b="-280"/>
+                  <a:fillRect l="-1043" t="-2241" b="-3221"/>
                 </a:stretch>
               </a:blipFill>
             </p:spPr>
@@ -3818,7 +4092,7 @@
     </p:spTree>
     <p:extLst>
       <p:ext uri="{BB962C8B-B14F-4D97-AF65-F5344CB8AC3E}">
-        <p14:creationId xmlns:p14="http://schemas.microsoft.com/office/powerpoint/2010/main" val="2520422284"/>
+        <p14:creationId xmlns:p14="http://schemas.microsoft.com/office/powerpoint/2010/main" val="856706574"/>
       </p:ext>
     </p:extLst>
   </p:cSld>
@@ -3828,7 +4102,7 @@
 </p:sld>
 </file>
 
-<file path=ppt/slides/slide4.xml><?xml version="1.0" encoding="utf-8"?>
+<file path=ppt/slides/slide5.xml><?xml version="1.0" encoding="utf-8"?>
 <p:sld xmlns:a="http://schemas.openxmlformats.org/drawingml/2006/main" xmlns:r="http://schemas.openxmlformats.org/officeDocument/2006/relationships" xmlns:p="http://schemas.openxmlformats.org/presentationml/2006/main">
   <p:cSld>
     <p:spTree>
@@ -3850,7 +4124,7 @@
           <p:cNvPr id="2" name="Title 1">
             <a:extLst>
               <a:ext uri="{FF2B5EF4-FFF2-40B4-BE49-F238E27FC236}">
-                <a16:creationId xmlns:a16="http://schemas.microsoft.com/office/drawing/2014/main" id="{09B3F2E6-F9F5-1A29-9F5A-ED61FE37B41E}"/>
+                <a16:creationId xmlns:a16="http://schemas.microsoft.com/office/drawing/2014/main" id="{7E9F02AB-00A8-F204-A938-6ECB39CC53F6}"/>
               </a:ext>
             </a:extLst>
           </p:cNvPr>
@@ -3873,427 +4147,1097 @@
           </a:p>
         </p:txBody>
       </p:sp>
-      <p:sp>
-        <p:nvSpPr>
-          <p:cNvPr id="3" name="Content Placeholder 2">
-            <a:extLst>
-              <a:ext uri="{FF2B5EF4-FFF2-40B4-BE49-F238E27FC236}">
-                <a16:creationId xmlns:a16="http://schemas.microsoft.com/office/drawing/2014/main" id="{10E41598-8C4A-5E78-88CA-A996AAD297B9}"/>
-              </a:ext>
-            </a:extLst>
-          </p:cNvPr>
-          <p:cNvSpPr>
-            <a:spLocks noGrp="1"/>
-          </p:cNvSpPr>
+      <p:graphicFrame>
+        <p:nvGraphicFramePr>
+          <p:cNvPr id="5" name="Table 5">
+            <a:extLst>
+              <a:ext uri="{FF2B5EF4-FFF2-40B4-BE49-F238E27FC236}">
+                <a16:creationId xmlns:a16="http://schemas.microsoft.com/office/drawing/2014/main" id="{A8541E07-6D5C-700F-F710-AE59D6B95A3B}"/>
+              </a:ext>
+            </a:extLst>
+          </p:cNvPr>
+          <p:cNvGraphicFramePr>
+            <a:graphicFrameLocks noGrp="1"/>
+          </p:cNvGraphicFramePr>
           <p:nvPr>
             <p:ph idx="1"/>
-          </p:nvPr>
-        </p:nvSpPr>
-        <p:spPr/>
-        <p:txBody>
-          <a:bodyPr/>
-          <a:lstStyle/>
-          <a:p>
-            <a:pPr marL="0" marR="0" lvl="0" indent="0" algn="l" defTabSz="914400" rtl="0" eaLnBrk="1" fontAlgn="auto" latinLnBrk="0" hangingPunct="1">
-              <a:lnSpc>
-                <a:spcPct val="90000"/>
-              </a:lnSpc>
-              <a:spcBef>
-                <a:spcPts val="1000"/>
-              </a:spcBef>
-              <a:spcAft>
-                <a:spcPts val="0"/>
-              </a:spcAft>
-              <a:buClrTx/>
-              <a:buSzTx/>
-              <a:buFont typeface="Arial" panose="020B0604020202020204" pitchFamily="34" charset="0"/>
-              <a:buNone/>
-              <a:tabLst/>
-              <a:defRPr/>
-            </a:pPr>
-            <a:r>
-              <a:rPr kumimoji="0" lang="en-US" sz="900" b="0" i="0" u="none" strike="noStrike" kern="1200" cap="none" spc="0" normalizeH="0" baseline="0" noProof="0" dirty="0">
-                <a:ln>
-                  <a:noFill/>
-                </a:ln>
-                <a:solidFill>
-                  <a:prstClr val="black"/>
-                </a:solidFill>
-                <a:effectLst/>
-                <a:uLnTx/>
-                <a:uFillTx/>
-                <a:latin typeface="Calibri" panose="020F0502020204030204"/>
-                <a:ea typeface="+mn-ea"/>
-                <a:cs typeface="+mn-cs"/>
-              </a:rPr>
-              <a:t>Source: </a:t>
-            </a:r>
-          </a:p>
-          <a:p>
-            <a:pPr marL="0" marR="0" lvl="0" indent="0" algn="l" defTabSz="914400" rtl="0" eaLnBrk="1" fontAlgn="auto" latinLnBrk="0" hangingPunct="1">
-              <a:lnSpc>
-                <a:spcPct val="90000"/>
-              </a:lnSpc>
-              <a:spcBef>
-                <a:spcPts val="1000"/>
-              </a:spcBef>
-              <a:spcAft>
-                <a:spcPts val="0"/>
-              </a:spcAft>
-              <a:buClrTx/>
-              <a:buSzTx/>
-              <a:buFont typeface="Arial" panose="020B0604020202020204" pitchFamily="34" charset="0"/>
-              <a:buNone/>
-              <a:tabLst/>
-              <a:defRPr/>
-            </a:pPr>
-            <a:r>
-              <a:rPr kumimoji="0" lang="en-US" sz="900" b="0" i="0" u="none" strike="noStrike" kern="1200" cap="none" spc="0" normalizeH="0" baseline="0" noProof="0" dirty="0">
-                <a:ln>
-                  <a:noFill/>
-                </a:ln>
-                <a:solidFill>
-                  <a:prstClr val="black"/>
-                </a:solidFill>
-                <a:effectLst/>
-                <a:uLnTx/>
-                <a:uFillTx/>
-                <a:latin typeface="Calibri" panose="020F0502020204030204"/>
-                <a:ea typeface="+mn-ea"/>
-                <a:cs typeface="+mn-cs"/>
-                <a:hlinkClick r:id="rId2"/>
-              </a:rPr>
-              <a:t>https://stackoverflow.com/a/2826347/4168707</a:t>
-            </a:r>
-            <a:endParaRPr kumimoji="0" lang="en-US" sz="900" b="0" i="0" u="none" strike="noStrike" kern="1200" cap="none" spc="0" normalizeH="0" baseline="0" noProof="0" dirty="0">
-              <a:ln>
-                <a:noFill/>
-              </a:ln>
-              <a:solidFill>
-                <a:prstClr val="black"/>
-              </a:solidFill>
-              <a:effectLst/>
-              <a:uLnTx/>
-              <a:uFillTx/>
-              <a:latin typeface="Calibri" panose="020F0502020204030204"/>
-              <a:ea typeface="+mn-ea"/>
-              <a:cs typeface="+mn-cs"/>
-            </a:endParaRPr>
-          </a:p>
-          <a:p>
-            <a:pPr marL="0" indent="0">
-              <a:buNone/>
-              <a:defRPr/>
-            </a:pPr>
-            <a:r>
-              <a:rPr kumimoji="0" lang="en-US" sz="900" b="0" i="0" u="none" strike="noStrike" kern="1200" cap="none" spc="0" normalizeH="0" baseline="0" noProof="0" dirty="0">
-                <a:ln>
-                  <a:noFill/>
-                </a:ln>
-                <a:solidFill>
-                  <a:prstClr val="black"/>
-                </a:solidFill>
-                <a:effectLst/>
-                <a:uLnTx/>
-                <a:uFillTx/>
-                <a:latin typeface="Calibri" panose="020F0502020204030204"/>
-                <a:ea typeface="+mn-ea"/>
-                <a:cs typeface="+mn-cs"/>
-                <a:hlinkClick r:id="rId3"/>
-              </a:rPr>
-              <a:t>https://www.geeksforgeeks.org/vector-in-cpp-stl/</a:t>
-            </a:r>
-            <a:endParaRPr kumimoji="0" lang="en-US" sz="900" b="0" i="0" u="none" strike="noStrike" kern="1200" cap="none" spc="0" normalizeH="0" baseline="0" noProof="0" dirty="0">
-              <a:ln>
-                <a:noFill/>
-              </a:ln>
-              <a:solidFill>
-                <a:prstClr val="black"/>
-              </a:solidFill>
-              <a:effectLst/>
-              <a:uLnTx/>
-              <a:uFillTx/>
-              <a:latin typeface="Calibri" panose="020F0502020204030204"/>
-              <a:ea typeface="+mn-ea"/>
-              <a:cs typeface="+mn-cs"/>
-            </a:endParaRPr>
-          </a:p>
-          <a:p>
-            <a:pPr marL="0" indent="0">
-              <a:buNone/>
-              <a:defRPr/>
-            </a:pPr>
-            <a:r>
-              <a:rPr kumimoji="0" lang="en-US" sz="900" b="0" i="0" u="none" strike="noStrike" kern="1200" cap="none" spc="0" normalizeH="0" baseline="0" noProof="0" dirty="0">
-                <a:ln>
-                  <a:noFill/>
-                </a:ln>
-                <a:solidFill>
-                  <a:prstClr val="black"/>
-                </a:solidFill>
-                <a:effectLst/>
-                <a:uLnTx/>
-                <a:uFillTx/>
-                <a:latin typeface="Calibri" panose="020F0502020204030204"/>
-                <a:ea typeface="+mn-ea"/>
-                <a:cs typeface="+mn-cs"/>
-                <a:hlinkClick r:id="rId4"/>
-              </a:rPr>
-              <a:t>https://qr.ae/pGclP6</a:t>
-            </a:r>
-            <a:endParaRPr kumimoji="0" lang="en-US" sz="900" b="0" i="0" u="none" strike="noStrike" kern="1200" cap="none" spc="0" normalizeH="0" baseline="0" noProof="0" dirty="0">
-              <a:ln>
-                <a:noFill/>
-              </a:ln>
-              <a:solidFill>
-                <a:prstClr val="black"/>
-              </a:solidFill>
-              <a:effectLst/>
-              <a:uLnTx/>
-              <a:uFillTx/>
-              <a:latin typeface="Calibri" panose="020F0502020204030204"/>
-              <a:ea typeface="+mn-ea"/>
-              <a:cs typeface="+mn-cs"/>
-            </a:endParaRPr>
-          </a:p>
-          <a:p>
-            <a:pPr marL="0" indent="0">
-              <a:buNone/>
-              <a:defRPr/>
-            </a:pPr>
-            <a:r>
-              <a:rPr lang="en-US" sz="900" dirty="0">
-                <a:solidFill>
-                  <a:prstClr val="black"/>
-                </a:solidFill>
-                <a:latin typeface="Calibri" panose="020F0502020204030204"/>
-                <a:hlinkClick r:id="rId5"/>
-              </a:rPr>
-              <a:t>https://stackoverflow.com/a/3813203/4168707</a:t>
-            </a:r>
-            <a:endParaRPr lang="en-US" sz="900" dirty="0">
-              <a:solidFill>
-                <a:prstClr val="black"/>
-              </a:solidFill>
-              <a:latin typeface="Calibri" panose="020F0502020204030204"/>
-            </a:endParaRPr>
-          </a:p>
-          <a:p>
-            <a:pPr marL="0" indent="0">
-              <a:buNone/>
-              <a:defRPr/>
-            </a:pPr>
-            <a:r>
-              <a:rPr lang="en-US" sz="900" dirty="0">
-                <a:solidFill>
-                  <a:prstClr val="black"/>
-                </a:solidFill>
-                <a:latin typeface="Calibri" panose="020F0502020204030204"/>
-                <a:hlinkClick r:id="rId6"/>
-              </a:rPr>
-              <a:t>https://stackoverflow.com/a/2664094/4168707</a:t>
-            </a:r>
-            <a:endParaRPr lang="en-US" sz="900" dirty="0">
-              <a:solidFill>
-                <a:prstClr val="black"/>
-              </a:solidFill>
-              <a:latin typeface="Calibri" panose="020F0502020204030204"/>
-            </a:endParaRPr>
-          </a:p>
-          <a:p>
-            <a:pPr marL="0" indent="0">
-              <a:buNone/>
-              <a:defRPr/>
-            </a:pPr>
-            <a:r>
-              <a:rPr lang="en-US" sz="900" dirty="0">
-                <a:solidFill>
-                  <a:prstClr val="black"/>
-                </a:solidFill>
-                <a:latin typeface="Calibri" panose="020F0502020204030204"/>
-                <a:hlinkClick r:id="rId7"/>
-              </a:rPr>
-              <a:t>https://en.cppreference.com/w/cpp/container/vector/shrink_to_fit</a:t>
-            </a:r>
-            <a:endParaRPr lang="en-US" sz="900" dirty="0">
-              <a:solidFill>
-                <a:prstClr val="black"/>
-              </a:solidFill>
-              <a:latin typeface="Calibri" panose="020F0502020204030204"/>
-            </a:endParaRPr>
-          </a:p>
-          <a:p>
-            <a:pPr marL="0" indent="0">
-              <a:buNone/>
-              <a:defRPr/>
-            </a:pPr>
-            <a:r>
-              <a:rPr lang="en-US" sz="900" dirty="0">
-                <a:solidFill>
-                  <a:prstClr val="black"/>
-                </a:solidFill>
-                <a:latin typeface="Calibri" panose="020F0502020204030204"/>
-                <a:hlinkClick r:id="rId8"/>
-              </a:rPr>
-              <a:t>https://stackoverflow.com/q/16518533/4168707</a:t>
-            </a:r>
-            <a:endParaRPr lang="en-US" sz="900" dirty="0">
-              <a:solidFill>
-                <a:prstClr val="black"/>
-              </a:solidFill>
-              <a:latin typeface="Calibri" panose="020F0502020204030204"/>
-            </a:endParaRPr>
-          </a:p>
-          <a:p>
-            <a:pPr marL="0" indent="0">
-              <a:buNone/>
-              <a:defRPr/>
-            </a:pPr>
-            <a:r>
-              <a:rPr lang="en-US" sz="900" dirty="0">
-                <a:solidFill>
-                  <a:prstClr val="black"/>
-                </a:solidFill>
-                <a:latin typeface="Calibri" panose="020F0502020204030204"/>
-                <a:hlinkClick r:id="rId9"/>
-              </a:rPr>
-              <a:t>https://stackoverflow.com/a/68637039/4168707</a:t>
-            </a:r>
-            <a:endParaRPr lang="en-US" sz="900" dirty="0">
-              <a:solidFill>
-                <a:prstClr val="black"/>
-              </a:solidFill>
-              <a:latin typeface="Calibri" panose="020F0502020204030204"/>
-            </a:endParaRPr>
-          </a:p>
-          <a:p>
-            <a:pPr marL="0" indent="0">
-              <a:buNone/>
-              <a:defRPr/>
-            </a:pPr>
-            <a:r>
-              <a:rPr lang="en-US" sz="900" dirty="0">
-                <a:solidFill>
-                  <a:prstClr val="black"/>
-                </a:solidFill>
-                <a:latin typeface="Calibri" panose="020F0502020204030204"/>
-                <a:hlinkClick r:id="rId10"/>
-              </a:rPr>
-              <a:t>https://www.opensourceforu.com/2021/05/memory-management-in-lists-and-tuples/</a:t>
-            </a:r>
-            <a:endParaRPr lang="en-US" sz="900" dirty="0">
-              <a:solidFill>
-                <a:prstClr val="black"/>
-              </a:solidFill>
-              <a:latin typeface="Calibri" panose="020F0502020204030204"/>
-            </a:endParaRPr>
-          </a:p>
-          <a:p>
-            <a:pPr marL="0" indent="0">
-              <a:buNone/>
-              <a:defRPr/>
-            </a:pPr>
-            <a:endParaRPr lang="en-US" sz="900" dirty="0">
-              <a:solidFill>
-                <a:prstClr val="black"/>
-              </a:solidFill>
-              <a:latin typeface="Calibri" panose="020F0502020204030204"/>
-            </a:endParaRPr>
-          </a:p>
-          <a:p>
-            <a:pPr marL="0" indent="0">
-              <a:buNone/>
-              <a:defRPr/>
-            </a:pPr>
-            <a:endParaRPr lang="en-US" sz="900" dirty="0">
-              <a:solidFill>
-                <a:prstClr val="black"/>
-              </a:solidFill>
-              <a:latin typeface="Calibri" panose="020F0502020204030204"/>
-            </a:endParaRPr>
-          </a:p>
-          <a:p>
-            <a:pPr marL="0" indent="0">
-              <a:buNone/>
-              <a:defRPr/>
-            </a:pPr>
-            <a:endParaRPr kumimoji="0" lang="en-US" sz="900" b="0" i="0" u="none" strike="noStrike" kern="1200" cap="none" spc="0" normalizeH="0" baseline="0" noProof="0" dirty="0">
-              <a:ln>
-                <a:noFill/>
-              </a:ln>
-              <a:solidFill>
-                <a:prstClr val="black"/>
-              </a:solidFill>
-              <a:effectLst/>
-              <a:uLnTx/>
-              <a:uFillTx/>
-              <a:latin typeface="Calibri" panose="020F0502020204030204"/>
-              <a:ea typeface="+mn-ea"/>
-              <a:cs typeface="+mn-cs"/>
-            </a:endParaRPr>
-          </a:p>
-          <a:p>
-            <a:pPr marL="0" indent="0">
-              <a:buNone/>
-              <a:defRPr/>
-            </a:pPr>
-            <a:endParaRPr kumimoji="0" lang="en-US" sz="900" b="0" i="0" u="none" strike="noStrike" kern="1200" cap="none" spc="0" normalizeH="0" baseline="0" noProof="0" dirty="0">
-              <a:ln>
-                <a:noFill/>
-              </a:ln>
-              <a:solidFill>
-                <a:prstClr val="black"/>
-              </a:solidFill>
-              <a:effectLst/>
-              <a:uLnTx/>
-              <a:uFillTx/>
-              <a:latin typeface="Calibri" panose="020F0502020204030204"/>
-              <a:ea typeface="+mn-ea"/>
-              <a:cs typeface="+mn-cs"/>
-            </a:endParaRPr>
-          </a:p>
-          <a:p>
-            <a:pPr marL="0" marR="0" lvl="0" indent="0" algn="l" defTabSz="914400" rtl="0" eaLnBrk="1" fontAlgn="auto" latinLnBrk="0" hangingPunct="1">
-              <a:lnSpc>
-                <a:spcPct val="90000"/>
-              </a:lnSpc>
-              <a:spcBef>
-                <a:spcPts val="1000"/>
-              </a:spcBef>
-              <a:spcAft>
-                <a:spcPts val="0"/>
-              </a:spcAft>
-              <a:buClrTx/>
-              <a:buSzTx/>
-              <a:buFont typeface="Arial" panose="020B0604020202020204" pitchFamily="34" charset="0"/>
-              <a:buNone/>
-              <a:tabLst/>
-              <a:defRPr/>
-            </a:pPr>
-            <a:endParaRPr kumimoji="0" lang="en-US" sz="900" b="0" i="0" u="none" strike="noStrike" kern="1200" cap="none" spc="0" normalizeH="0" baseline="0" noProof="0" dirty="0">
-              <a:ln>
-                <a:noFill/>
-              </a:ln>
-              <a:solidFill>
-                <a:prstClr val="black"/>
-              </a:solidFill>
-              <a:effectLst/>
-              <a:uLnTx/>
-              <a:uFillTx/>
-              <a:latin typeface="Calibri" panose="020F0502020204030204"/>
-              <a:ea typeface="+mn-ea"/>
-              <a:cs typeface="+mn-cs"/>
-            </a:endParaRPr>
-          </a:p>
-          <a:p>
-            <a:endParaRPr lang="en-US" dirty="0"/>
-          </a:p>
-        </p:txBody>
-      </p:sp>
+            <p:extLst>
+              <p:ext uri="{D42A27DB-BD31-4B8C-83A1-F6EECF244321}">
+                <p14:modId xmlns:p14="http://schemas.microsoft.com/office/powerpoint/2010/main" val="1704110643"/>
+              </p:ext>
+            </p:extLst>
+          </p:nvPr>
+        </p:nvGraphicFramePr>
+        <p:xfrm>
+          <a:off x="838200" y="1825625"/>
+          <a:ext cx="10663518" cy="3108960"/>
+        </p:xfrm>
+        <a:graphic>
+          <a:graphicData uri="http://schemas.openxmlformats.org/drawingml/2006/table">
+            <a:tbl>
+              <a:tblPr firstRow="1" bandRow="1">
+                <a:tableStyleId>{21E4AEA4-8DFA-4A89-87EB-49C32662AFE0}</a:tableStyleId>
+              </a:tblPr>
+              <a:tblGrid>
+                <a:gridCol w="4974091">
+                  <a:extLst>
+                    <a:ext uri="{9D8B030D-6E8A-4147-A177-3AD203B41FA5}">
+                      <a16:colId xmlns:a16="http://schemas.microsoft.com/office/drawing/2014/main" val="3965392556"/>
+                    </a:ext>
+                  </a:extLst>
+                </a:gridCol>
+                <a:gridCol w="5689427">
+                  <a:extLst>
+                    <a:ext uri="{9D8B030D-6E8A-4147-A177-3AD203B41FA5}">
+                      <a16:colId xmlns:a16="http://schemas.microsoft.com/office/drawing/2014/main" val="711243295"/>
+                    </a:ext>
+                  </a:extLst>
+                </a:gridCol>
+              </a:tblGrid>
+              <a:tr h="370840">
+                <a:tc>
+                  <a:txBody>
+                    <a:bodyPr/>
+                    <a:lstStyle/>
+                    <a:p>
+                      <a:pPr>
+                        <a:lnSpc>
+                          <a:spcPct val="150000"/>
+                        </a:lnSpc>
+                      </a:pPr>
+                      <a:r>
+                        <a:rPr lang="en-US" sz="1000" b="1" kern="1200" dirty="0">
+                          <a:solidFill>
+                            <a:schemeClr val="dk1"/>
+                          </a:solidFill>
+                          <a:latin typeface="+mn-lt"/>
+                          <a:ea typeface="+mn-ea"/>
+                          <a:cs typeface="+mn-cs"/>
+                        </a:rPr>
+                        <a:t>STL</a:t>
+                      </a:r>
+                    </a:p>
+                    <a:p>
+                      <a:r>
+                        <a:rPr lang="en-US" sz="1000" b="1" dirty="0">
+                          <a:hlinkClick r:id="rId2"/>
+                        </a:rPr>
+                        <a:t>https://stackoverflow.com/a/2826347/4168707</a:t>
+                      </a:r>
+                      <a:endParaRPr lang="en-US" sz="1000" b="1" dirty="0"/>
+                    </a:p>
+                    <a:p>
+                      <a:endParaRPr lang="en-US" sz="1000" b="1" dirty="0"/>
+                    </a:p>
+                  </a:txBody>
+                  <a:tcPr>
+                    <a:lnL w="12700" cap="flat" cmpd="sng" algn="ctr">
+                      <a:solidFill>
+                        <a:schemeClr val="tx1"/>
+                      </a:solidFill>
+                      <a:prstDash val="solid"/>
+                      <a:round/>
+                      <a:headEnd type="none" w="med" len="med"/>
+                      <a:tailEnd type="none" w="med" len="med"/>
+                    </a:lnL>
+                    <a:lnR w="12700" cap="flat" cmpd="sng" algn="ctr">
+                      <a:solidFill>
+                        <a:schemeClr val="tx1"/>
+                      </a:solidFill>
+                      <a:prstDash val="solid"/>
+                      <a:round/>
+                      <a:headEnd type="none" w="med" len="med"/>
+                      <a:tailEnd type="none" w="med" len="med"/>
+                    </a:lnR>
+                    <a:lnT w="12700" cap="flat" cmpd="sng" algn="ctr">
+                      <a:solidFill>
+                        <a:schemeClr val="tx1"/>
+                      </a:solidFill>
+                      <a:prstDash val="solid"/>
+                      <a:round/>
+                      <a:headEnd type="none" w="med" len="med"/>
+                      <a:tailEnd type="none" w="med" len="med"/>
+                    </a:lnT>
+                    <a:lnB w="12700" cap="flat" cmpd="sng" algn="ctr">
+                      <a:solidFill>
+                        <a:schemeClr val="tx1"/>
+                      </a:solidFill>
+                      <a:prstDash val="solid"/>
+                      <a:round/>
+                      <a:headEnd type="none" w="med" len="med"/>
+                      <a:tailEnd type="none" w="med" len="med"/>
+                    </a:lnB>
+                    <a:lnTlToBr w="12700" cmpd="sng">
+                      <a:noFill/>
+                      <a:prstDash val="solid"/>
+                    </a:lnTlToBr>
+                    <a:lnBlToTr w="12700" cmpd="sng">
+                      <a:noFill/>
+                      <a:prstDash val="solid"/>
+                    </a:lnBlToTr>
+                    <a:solidFill>
+                      <a:schemeClr val="accent4">
+                        <a:lumMod val="40000"/>
+                        <a:lumOff val="60000"/>
+                      </a:schemeClr>
+                    </a:solidFill>
+                  </a:tcPr>
+                </a:tc>
+                <a:tc>
+                  <a:txBody>
+                    <a:bodyPr/>
+                    <a:lstStyle/>
+                    <a:p>
+                      <a:pPr marL="0" indent="0" algn="l" defTabSz="914400" rtl="0" eaLnBrk="1" latinLnBrk="0" hangingPunct="1">
+                        <a:lnSpc>
+                          <a:spcPct val="150000"/>
+                        </a:lnSpc>
+                        <a:buNone/>
+                        <a:defRPr/>
+                      </a:pPr>
+                      <a:r>
+                        <a:rPr lang="en-US" sz="1000" b="1" kern="1200" dirty="0">
+                          <a:solidFill>
+                            <a:schemeClr val="dk1"/>
+                          </a:solidFill>
+                          <a:latin typeface="+mn-lt"/>
+                          <a:ea typeface="+mn-ea"/>
+                          <a:cs typeface="+mn-cs"/>
+                        </a:rPr>
+                        <a:t>Memory management Python</a:t>
+                      </a:r>
+                    </a:p>
+                    <a:p>
+                      <a:pPr marL="0" indent="0">
+                        <a:buNone/>
+                        <a:defRPr/>
+                      </a:pPr>
+                      <a:r>
+                        <a:rPr lang="en-US" sz="1000" b="1" dirty="0">
+                          <a:solidFill>
+                            <a:prstClr val="black"/>
+                          </a:solidFill>
+                          <a:hlinkClick r:id="rId3"/>
+                        </a:rPr>
+                        <a:t>https://bit.ly/3EQHoxH</a:t>
+                      </a:r>
+                    </a:p>
+                    <a:p>
+                      <a:pPr marL="0" indent="0">
+                        <a:buNone/>
+                        <a:defRPr/>
+                      </a:pPr>
+                      <a:r>
+                        <a:rPr lang="en-US" sz="1000" b="1" dirty="0">
+                          <a:solidFill>
+                            <a:prstClr val="black"/>
+                          </a:solidFill>
+                          <a:hlinkClick r:id="rId3"/>
+                        </a:rPr>
+                        <a:t>https://stackoverflow.com/a/68637039/4168707</a:t>
+                      </a:r>
+                      <a:endParaRPr lang="en-US" sz="1000" b="1" dirty="0">
+                        <a:solidFill>
+                          <a:prstClr val="black"/>
+                        </a:solidFill>
+                      </a:endParaRPr>
+                    </a:p>
+                  </a:txBody>
+                  <a:tcPr>
+                    <a:lnL w="12700" cap="flat" cmpd="sng" algn="ctr">
+                      <a:solidFill>
+                        <a:schemeClr val="tx1"/>
+                      </a:solidFill>
+                      <a:prstDash val="solid"/>
+                      <a:round/>
+                      <a:headEnd type="none" w="med" len="med"/>
+                      <a:tailEnd type="none" w="med" len="med"/>
+                    </a:lnL>
+                    <a:lnR w="12700" cap="flat" cmpd="sng" algn="ctr">
+                      <a:solidFill>
+                        <a:schemeClr val="tx1"/>
+                      </a:solidFill>
+                      <a:prstDash val="solid"/>
+                      <a:round/>
+                      <a:headEnd type="none" w="med" len="med"/>
+                      <a:tailEnd type="none" w="med" len="med"/>
+                    </a:lnR>
+                    <a:lnT w="12700" cap="flat" cmpd="sng" algn="ctr">
+                      <a:solidFill>
+                        <a:schemeClr val="tx1"/>
+                      </a:solidFill>
+                      <a:prstDash val="solid"/>
+                      <a:round/>
+                      <a:headEnd type="none" w="med" len="med"/>
+                      <a:tailEnd type="none" w="med" len="med"/>
+                    </a:lnT>
+                    <a:lnB w="12700" cap="flat" cmpd="sng" algn="ctr">
+                      <a:solidFill>
+                        <a:schemeClr val="tx1"/>
+                      </a:solidFill>
+                      <a:prstDash val="solid"/>
+                      <a:round/>
+                      <a:headEnd type="none" w="med" len="med"/>
+                      <a:tailEnd type="none" w="med" len="med"/>
+                    </a:lnB>
+                    <a:lnTlToBr w="12700" cmpd="sng">
+                      <a:noFill/>
+                      <a:prstDash val="solid"/>
+                    </a:lnTlToBr>
+                    <a:lnBlToTr w="12700" cmpd="sng">
+                      <a:noFill/>
+                      <a:prstDash val="solid"/>
+                    </a:lnBlToTr>
+                    <a:solidFill>
+                      <a:schemeClr val="accent4">
+                        <a:lumMod val="40000"/>
+                        <a:lumOff val="60000"/>
+                      </a:schemeClr>
+                    </a:solidFill>
+                  </a:tcPr>
+                </a:tc>
+                <a:extLst>
+                  <a:ext uri="{0D108BD9-81ED-4DB2-BD59-A6C34878D82A}">
+                    <a16:rowId xmlns:a16="http://schemas.microsoft.com/office/drawing/2014/main" val="223633179"/>
+                  </a:ext>
+                </a:extLst>
+              </a:tr>
+              <a:tr h="370840">
+                <a:tc>
+                  <a:txBody>
+                    <a:bodyPr/>
+                    <a:lstStyle/>
+                    <a:p>
+                      <a:pPr marL="0" marR="0" lvl="0" indent="0" algn="l" defTabSz="914400" rtl="0" eaLnBrk="1" fontAlgn="auto" latinLnBrk="0" hangingPunct="1">
+                        <a:lnSpc>
+                          <a:spcPct val="150000"/>
+                        </a:lnSpc>
+                        <a:spcBef>
+                          <a:spcPts val="1000"/>
+                        </a:spcBef>
+                        <a:spcAft>
+                          <a:spcPts val="0"/>
+                        </a:spcAft>
+                        <a:buClrTx/>
+                        <a:buSzTx/>
+                        <a:buFont typeface="Arial" panose="020B0604020202020204" pitchFamily="34" charset="0"/>
+                        <a:buNone/>
+                        <a:tabLst/>
+                        <a:defRPr/>
+                      </a:pPr>
+                      <a:r>
+                        <a:rPr lang="en-US" sz="1000" b="1" kern="1200" dirty="0">
+                          <a:solidFill>
+                            <a:schemeClr val="dk1"/>
+                          </a:solidFill>
+                          <a:latin typeface="+mn-lt"/>
+                          <a:ea typeface="+mn-ea"/>
+                          <a:cs typeface="+mn-cs"/>
+                        </a:rPr>
+                        <a:t>Vectors</a:t>
+                      </a:r>
+                      <a:endParaRPr lang="en-US" sz="1000" b="1" kern="1200" noProof="0" dirty="0">
+                        <a:solidFill>
+                          <a:schemeClr val="dk1"/>
+                        </a:solidFill>
+                        <a:latin typeface="+mn-lt"/>
+                        <a:ea typeface="+mn-ea"/>
+                        <a:cs typeface="+mn-cs"/>
+                      </a:endParaRPr>
+                    </a:p>
+                    <a:p>
+                      <a:pPr marL="0" indent="0">
+                        <a:buNone/>
+                        <a:defRPr/>
+                      </a:pPr>
+                      <a:r>
+                        <a:rPr kumimoji="0" lang="en-US" sz="1000" b="1" u="none" strike="noStrike" kern="1200" cap="none" spc="0" normalizeH="0" baseline="0" noProof="0" dirty="0">
+                          <a:ln>
+                            <a:noFill/>
+                          </a:ln>
+                          <a:solidFill>
+                            <a:prstClr val="black"/>
+                          </a:solidFill>
+                          <a:effectLst/>
+                          <a:uLnTx/>
+                          <a:uFillTx/>
+                          <a:hlinkClick r:id="rId4"/>
+                        </a:rPr>
+                        <a:t>https://www.geeksforgeeks.org/vector-in-cpp-stl/</a:t>
+                      </a:r>
+                      <a:endParaRPr kumimoji="0" lang="en-US" sz="1000" b="1" i="0" u="none" strike="noStrike" kern="1200" cap="none" spc="0" normalizeH="0" baseline="0" noProof="0" dirty="0">
+                        <a:ln>
+                          <a:noFill/>
+                        </a:ln>
+                        <a:solidFill>
+                          <a:prstClr val="black"/>
+                        </a:solidFill>
+                        <a:effectLst/>
+                        <a:uLnTx/>
+                        <a:uFillTx/>
+                        <a:latin typeface="+mn-lt"/>
+                        <a:ea typeface="+mn-ea"/>
+                        <a:cs typeface="+mn-cs"/>
+                      </a:endParaRPr>
+                    </a:p>
+                  </a:txBody>
+                  <a:tcPr>
+                    <a:lnL w="12700" cap="flat" cmpd="sng" algn="ctr">
+                      <a:solidFill>
+                        <a:schemeClr val="tx1"/>
+                      </a:solidFill>
+                      <a:prstDash val="solid"/>
+                      <a:round/>
+                      <a:headEnd type="none" w="med" len="med"/>
+                      <a:tailEnd type="none" w="med" len="med"/>
+                    </a:lnL>
+                    <a:lnR w="12700" cap="flat" cmpd="sng" algn="ctr">
+                      <a:solidFill>
+                        <a:schemeClr val="tx1"/>
+                      </a:solidFill>
+                      <a:prstDash val="solid"/>
+                      <a:round/>
+                      <a:headEnd type="none" w="med" len="med"/>
+                      <a:tailEnd type="none" w="med" len="med"/>
+                    </a:lnR>
+                    <a:lnT w="12700" cap="flat" cmpd="sng" algn="ctr">
+                      <a:solidFill>
+                        <a:schemeClr val="tx1"/>
+                      </a:solidFill>
+                      <a:prstDash val="solid"/>
+                      <a:round/>
+                      <a:headEnd type="none" w="med" len="med"/>
+                      <a:tailEnd type="none" w="med" len="med"/>
+                    </a:lnT>
+                    <a:lnB w="12700" cap="flat" cmpd="sng" algn="ctr">
+                      <a:solidFill>
+                        <a:schemeClr val="tx1"/>
+                      </a:solidFill>
+                      <a:prstDash val="solid"/>
+                      <a:round/>
+                      <a:headEnd type="none" w="med" len="med"/>
+                      <a:tailEnd type="none" w="med" len="med"/>
+                    </a:lnB>
+                    <a:lnTlToBr w="12700" cmpd="sng">
+                      <a:noFill/>
+                      <a:prstDash val="solid"/>
+                    </a:lnTlToBr>
+                    <a:lnBlToTr w="12700" cmpd="sng">
+                      <a:noFill/>
+                      <a:prstDash val="solid"/>
+                    </a:lnBlToTr>
+                    <a:solidFill>
+                      <a:schemeClr val="accent4">
+                        <a:lumMod val="20000"/>
+                        <a:lumOff val="80000"/>
+                      </a:schemeClr>
+                    </a:solidFill>
+                  </a:tcPr>
+                </a:tc>
+                <a:tc>
+                  <a:txBody>
+                    <a:bodyPr/>
+                    <a:lstStyle/>
+                    <a:p>
+                      <a:pPr marL="0" indent="0" algn="l" defTabSz="914400" rtl="0" eaLnBrk="1" latinLnBrk="0" hangingPunct="1">
+                        <a:lnSpc>
+                          <a:spcPct val="150000"/>
+                        </a:lnSpc>
+                        <a:buNone/>
+                        <a:defRPr/>
+                      </a:pPr>
+                      <a:r>
+                        <a:rPr lang="en-US" sz="1000" b="1" kern="1200" dirty="0">
+                          <a:solidFill>
+                            <a:schemeClr val="dk1"/>
+                          </a:solidFill>
+                          <a:latin typeface="+mn-lt"/>
+                          <a:ea typeface="+mn-ea"/>
+                          <a:cs typeface="+mn-cs"/>
+                        </a:rPr>
+                        <a:t>Iterator Invalidation</a:t>
+                      </a:r>
+                    </a:p>
+                    <a:p>
+                      <a:pPr marL="0" indent="0">
+                        <a:buNone/>
+                        <a:defRPr/>
+                      </a:pPr>
+                      <a:r>
+                        <a:rPr lang="en-US" sz="1000" b="1" dirty="0">
+                          <a:solidFill>
+                            <a:prstClr val="black"/>
+                          </a:solidFill>
+                          <a:hlinkClick r:id="rId5"/>
+                        </a:rPr>
+                        <a:t>https://www.geeksforgeeks.org/iterator-invalidation-cpp/</a:t>
+                      </a:r>
+                      <a:endParaRPr lang="en-US" sz="1000" b="1" dirty="0">
+                        <a:solidFill>
+                          <a:prstClr val="black"/>
+                        </a:solidFill>
+                      </a:endParaRPr>
+                    </a:p>
+                    <a:p>
+                      <a:pPr marL="0" indent="0">
+                        <a:buNone/>
+                        <a:defRPr/>
+                      </a:pPr>
+                      <a:r>
+                        <a:rPr lang="en-US" sz="1000" b="1" dirty="0">
+                          <a:solidFill>
+                            <a:prstClr val="black"/>
+                          </a:solidFill>
+                          <a:hlinkClick r:id="rId6"/>
+                        </a:rPr>
+                        <a:t>https://en.cppreference.com/w/cpp/container/vector/reserve</a:t>
+                      </a:r>
+                      <a:endParaRPr lang="en-US" sz="1000" b="1" dirty="0">
+                        <a:solidFill>
+                          <a:prstClr val="black"/>
+                        </a:solidFill>
+                      </a:endParaRPr>
+                    </a:p>
+                    <a:p>
+                      <a:pPr marL="0" indent="0">
+                        <a:buNone/>
+                        <a:defRPr/>
+                      </a:pPr>
+                      <a:r>
+                        <a:rPr lang="en-US" sz="1000" b="1" dirty="0">
+                          <a:solidFill>
+                            <a:prstClr val="black"/>
+                          </a:solidFill>
+                          <a:hlinkClick r:id="rId7"/>
+                        </a:rPr>
+                        <a:t>https://stackoverflow.com/a/6438087/4168707</a:t>
+                      </a:r>
+                      <a:endParaRPr lang="en-US" sz="1000" b="1" dirty="0">
+                        <a:solidFill>
+                          <a:prstClr val="black"/>
+                        </a:solidFill>
+                        <a:latin typeface="+mn-lt"/>
+                      </a:endParaRPr>
+                    </a:p>
+                  </a:txBody>
+                  <a:tcPr>
+                    <a:lnL w="12700" cap="flat" cmpd="sng" algn="ctr">
+                      <a:solidFill>
+                        <a:schemeClr val="tx1"/>
+                      </a:solidFill>
+                      <a:prstDash val="solid"/>
+                      <a:round/>
+                      <a:headEnd type="none" w="med" len="med"/>
+                      <a:tailEnd type="none" w="med" len="med"/>
+                    </a:lnL>
+                    <a:lnR w="12700" cap="flat" cmpd="sng" algn="ctr">
+                      <a:solidFill>
+                        <a:schemeClr val="tx1"/>
+                      </a:solidFill>
+                      <a:prstDash val="solid"/>
+                      <a:round/>
+                      <a:headEnd type="none" w="med" len="med"/>
+                      <a:tailEnd type="none" w="med" len="med"/>
+                    </a:lnR>
+                    <a:lnT w="12700" cap="flat" cmpd="sng" algn="ctr">
+                      <a:solidFill>
+                        <a:schemeClr val="tx1"/>
+                      </a:solidFill>
+                      <a:prstDash val="solid"/>
+                      <a:round/>
+                      <a:headEnd type="none" w="med" len="med"/>
+                      <a:tailEnd type="none" w="med" len="med"/>
+                    </a:lnT>
+                    <a:lnB w="12700" cap="flat" cmpd="sng" algn="ctr">
+                      <a:solidFill>
+                        <a:schemeClr val="tx1"/>
+                      </a:solidFill>
+                      <a:prstDash val="solid"/>
+                      <a:round/>
+                      <a:headEnd type="none" w="med" len="med"/>
+                      <a:tailEnd type="none" w="med" len="med"/>
+                    </a:lnB>
+                    <a:lnTlToBr w="12700" cmpd="sng">
+                      <a:noFill/>
+                      <a:prstDash val="solid"/>
+                    </a:lnTlToBr>
+                    <a:lnBlToTr w="12700" cmpd="sng">
+                      <a:noFill/>
+                      <a:prstDash val="solid"/>
+                    </a:lnBlToTr>
+                    <a:solidFill>
+                      <a:schemeClr val="accent4">
+                        <a:lumMod val="20000"/>
+                        <a:lumOff val="80000"/>
+                      </a:schemeClr>
+                    </a:solidFill>
+                  </a:tcPr>
+                </a:tc>
+                <a:extLst>
+                  <a:ext uri="{0D108BD9-81ED-4DB2-BD59-A6C34878D82A}">
+                    <a16:rowId xmlns:a16="http://schemas.microsoft.com/office/drawing/2014/main" val="3697275498"/>
+                  </a:ext>
+                </a:extLst>
+              </a:tr>
+              <a:tr h="370840">
+                <a:tc>
+                  <a:txBody>
+                    <a:bodyPr/>
+                    <a:lstStyle/>
+                    <a:p>
+                      <a:pPr marL="0" indent="0" algn="l" defTabSz="914400" rtl="0" eaLnBrk="1" latinLnBrk="0" hangingPunct="1">
+                        <a:lnSpc>
+                          <a:spcPct val="150000"/>
+                        </a:lnSpc>
+                        <a:buNone/>
+                        <a:defRPr/>
+                      </a:pPr>
+                      <a:r>
+                        <a:rPr lang="en-US" sz="1000" b="1" kern="1200" noProof="0" dirty="0">
+                          <a:solidFill>
+                            <a:schemeClr val="dk1"/>
+                          </a:solidFill>
+                          <a:latin typeface="+mn-lt"/>
+                          <a:ea typeface="+mn-ea"/>
+                          <a:cs typeface="+mn-cs"/>
+                        </a:rPr>
+                        <a:t>Vectors – </a:t>
+                      </a:r>
+                      <a:r>
+                        <a:rPr lang="en-US" sz="1000" b="1" kern="1200" dirty="0">
+                          <a:solidFill>
+                            <a:schemeClr val="dk1"/>
+                          </a:solidFill>
+                          <a:latin typeface="+mn-lt"/>
+                          <a:ea typeface="+mn-ea"/>
+                          <a:cs typeface="+mn-cs"/>
+                        </a:rPr>
+                        <a:t>m</a:t>
+                      </a:r>
+                      <a:r>
+                        <a:rPr lang="en-US" sz="1000" b="1" kern="1200" noProof="0" dirty="0" err="1">
+                          <a:solidFill>
+                            <a:schemeClr val="dk1"/>
+                          </a:solidFill>
+                          <a:latin typeface="+mn-lt"/>
+                          <a:ea typeface="+mn-ea"/>
+                          <a:cs typeface="+mn-cs"/>
+                        </a:rPr>
+                        <a:t>ax_size</a:t>
+                      </a:r>
+                      <a:endParaRPr lang="en-US" sz="1000" b="1" kern="1200" noProof="0" dirty="0">
+                        <a:solidFill>
+                          <a:schemeClr val="dk1"/>
+                        </a:solidFill>
+                        <a:latin typeface="+mn-lt"/>
+                        <a:ea typeface="+mn-ea"/>
+                        <a:cs typeface="+mn-cs"/>
+                      </a:endParaRPr>
+                    </a:p>
+                    <a:p>
+                      <a:pPr marL="0" indent="0">
+                        <a:buNone/>
+                        <a:defRPr/>
+                      </a:pPr>
+                      <a:r>
+                        <a:rPr kumimoji="0" lang="en-US" sz="1000" b="1" u="none" strike="noStrike" kern="1200" cap="none" spc="0" normalizeH="0" baseline="0" noProof="0" dirty="0">
+                          <a:ln>
+                            <a:noFill/>
+                          </a:ln>
+                          <a:solidFill>
+                            <a:prstClr val="black"/>
+                          </a:solidFill>
+                          <a:effectLst/>
+                          <a:uLnTx/>
+                          <a:uFillTx/>
+                          <a:hlinkClick r:id="rId8"/>
+                        </a:rPr>
+                        <a:t>https://qr.ae/pGclP6</a:t>
+                      </a:r>
+                      <a:endParaRPr kumimoji="0" lang="en-US" sz="1000" b="1" u="none" strike="noStrike" kern="1200" cap="none" spc="0" normalizeH="0" baseline="0" noProof="0" dirty="0">
+                        <a:ln>
+                          <a:noFill/>
+                        </a:ln>
+                        <a:solidFill>
+                          <a:prstClr val="black"/>
+                        </a:solidFill>
+                        <a:effectLst/>
+                        <a:uLnTx/>
+                        <a:uFillTx/>
+                      </a:endParaRPr>
+                    </a:p>
+                    <a:p>
+                      <a:pPr marL="0" indent="0">
+                        <a:buNone/>
+                        <a:defRPr/>
+                      </a:pPr>
+                      <a:r>
+                        <a:rPr lang="en-US" sz="1000" b="1" dirty="0">
+                          <a:solidFill>
+                            <a:prstClr val="black"/>
+                          </a:solidFill>
+                          <a:hlinkClick r:id="rId9"/>
+                        </a:rPr>
+                        <a:t>https://stackoverflow.com/a/3813203/4168707</a:t>
+                      </a:r>
+                      <a:endParaRPr lang="en-US" sz="1000" b="1" dirty="0">
+                        <a:solidFill>
+                          <a:prstClr val="black"/>
+                        </a:solidFill>
+                      </a:endParaRPr>
+                    </a:p>
+                    <a:p>
+                      <a:pPr marL="0" indent="0">
+                        <a:buNone/>
+                        <a:defRPr/>
+                      </a:pPr>
+                      <a:r>
+                        <a:rPr lang="en-US" sz="1000" b="1" dirty="0">
+                          <a:solidFill>
+                            <a:prstClr val="black"/>
+                          </a:solidFill>
+                          <a:hlinkClick r:id="rId10"/>
+                        </a:rPr>
+                        <a:t>https://stackoverflow.com/a/2664094/4168707</a:t>
+                      </a:r>
+                      <a:endParaRPr lang="en-US" sz="1000" b="1" dirty="0">
+                        <a:solidFill>
+                          <a:prstClr val="black"/>
+                        </a:solidFill>
+                        <a:latin typeface="+mn-lt"/>
+                      </a:endParaRPr>
+                    </a:p>
+                  </a:txBody>
+                  <a:tcPr>
+                    <a:lnL w="12700" cap="flat" cmpd="sng" algn="ctr">
+                      <a:solidFill>
+                        <a:schemeClr val="tx1"/>
+                      </a:solidFill>
+                      <a:prstDash val="solid"/>
+                      <a:round/>
+                      <a:headEnd type="none" w="med" len="med"/>
+                      <a:tailEnd type="none" w="med" len="med"/>
+                    </a:lnL>
+                    <a:lnR w="12700" cap="flat" cmpd="sng" algn="ctr">
+                      <a:solidFill>
+                        <a:schemeClr val="tx1"/>
+                      </a:solidFill>
+                      <a:prstDash val="solid"/>
+                      <a:round/>
+                      <a:headEnd type="none" w="med" len="med"/>
+                      <a:tailEnd type="none" w="med" len="med"/>
+                    </a:lnR>
+                    <a:lnT w="12700" cap="flat" cmpd="sng" algn="ctr">
+                      <a:solidFill>
+                        <a:schemeClr val="tx1"/>
+                      </a:solidFill>
+                      <a:prstDash val="solid"/>
+                      <a:round/>
+                      <a:headEnd type="none" w="med" len="med"/>
+                      <a:tailEnd type="none" w="med" len="med"/>
+                    </a:lnT>
+                    <a:lnB w="12700" cap="flat" cmpd="sng" algn="ctr">
+                      <a:solidFill>
+                        <a:schemeClr val="tx1"/>
+                      </a:solidFill>
+                      <a:prstDash val="solid"/>
+                      <a:round/>
+                      <a:headEnd type="none" w="med" len="med"/>
+                      <a:tailEnd type="none" w="med" len="med"/>
+                    </a:lnB>
+                    <a:lnTlToBr w="12700" cmpd="sng">
+                      <a:noFill/>
+                      <a:prstDash val="solid"/>
+                    </a:lnTlToBr>
+                    <a:lnBlToTr w="12700" cmpd="sng">
+                      <a:noFill/>
+                      <a:prstDash val="solid"/>
+                    </a:lnBlToTr>
+                    <a:solidFill>
+                      <a:schemeClr val="accent4">
+                        <a:lumMod val="40000"/>
+                        <a:lumOff val="60000"/>
+                      </a:schemeClr>
+                    </a:solidFill>
+                  </a:tcPr>
+                </a:tc>
+                <a:tc>
+                  <a:txBody>
+                    <a:bodyPr/>
+                    <a:lstStyle/>
+                    <a:p>
+                      <a:pPr marL="0" indent="0" algn="l" defTabSz="914400" rtl="0" eaLnBrk="1" latinLnBrk="0" hangingPunct="1">
+                        <a:lnSpc>
+                          <a:spcPct val="150000"/>
+                        </a:lnSpc>
+                        <a:buNone/>
+                        <a:defRPr/>
+                      </a:pPr>
+                      <a:r>
+                        <a:rPr lang="en-US" sz="1000" b="1" u="none" kern="1200" dirty="0">
+                          <a:solidFill>
+                            <a:schemeClr val="dk1"/>
+                          </a:solidFill>
+                          <a:latin typeface="+mn-lt"/>
+                          <a:ea typeface="+mn-ea"/>
+                          <a:cs typeface="+mn-cs"/>
+                        </a:rPr>
+                        <a:t>Vectors - Reserve</a:t>
+                      </a:r>
+                      <a:endParaRPr lang="en-US" sz="1000" b="1" u="none" kern="1200" dirty="0">
+                        <a:solidFill>
+                          <a:schemeClr val="dk1"/>
+                        </a:solidFill>
+                        <a:latin typeface="+mn-lt"/>
+                        <a:ea typeface="+mn-ea"/>
+                        <a:cs typeface="+mn-cs"/>
+                        <a:hlinkClick r:id="rId6">
+                          <a:extLst>
+                            <a:ext uri="{A12FA001-AC4F-418D-AE19-62706E023703}">
+                              <ahyp:hlinkClr xmlns:ahyp="http://schemas.microsoft.com/office/drawing/2018/hyperlinkcolor" val="tx"/>
+                            </a:ext>
+                          </a:extLst>
+                        </a:hlinkClick>
+                      </a:endParaRPr>
+                    </a:p>
+                    <a:p>
+                      <a:r>
+                        <a:rPr lang="en-US" sz="1000" b="1" dirty="0">
+                          <a:hlinkClick r:id="rId6"/>
+                        </a:rPr>
+                        <a:t>https://en.cppreference.com/w/cpp/container/vector/reserve</a:t>
+                      </a:r>
+                      <a:endParaRPr lang="en-US" sz="1000" b="1" dirty="0"/>
+                    </a:p>
+                    <a:p>
+                      <a:endParaRPr lang="en-US" sz="1000" b="1" dirty="0"/>
+                    </a:p>
+                  </a:txBody>
+                  <a:tcPr>
+                    <a:lnL w="12700" cap="flat" cmpd="sng" algn="ctr">
+                      <a:solidFill>
+                        <a:schemeClr val="tx1"/>
+                      </a:solidFill>
+                      <a:prstDash val="solid"/>
+                      <a:round/>
+                      <a:headEnd type="none" w="med" len="med"/>
+                      <a:tailEnd type="none" w="med" len="med"/>
+                    </a:lnL>
+                    <a:lnR w="12700" cap="flat" cmpd="sng" algn="ctr">
+                      <a:solidFill>
+                        <a:schemeClr val="tx1"/>
+                      </a:solidFill>
+                      <a:prstDash val="solid"/>
+                      <a:round/>
+                      <a:headEnd type="none" w="med" len="med"/>
+                      <a:tailEnd type="none" w="med" len="med"/>
+                    </a:lnR>
+                    <a:lnT w="12700" cap="flat" cmpd="sng" algn="ctr">
+                      <a:solidFill>
+                        <a:schemeClr val="tx1"/>
+                      </a:solidFill>
+                      <a:prstDash val="solid"/>
+                      <a:round/>
+                      <a:headEnd type="none" w="med" len="med"/>
+                      <a:tailEnd type="none" w="med" len="med"/>
+                    </a:lnT>
+                    <a:lnB w="12700" cap="flat" cmpd="sng" algn="ctr">
+                      <a:solidFill>
+                        <a:schemeClr val="tx1"/>
+                      </a:solidFill>
+                      <a:prstDash val="solid"/>
+                      <a:round/>
+                      <a:headEnd type="none" w="med" len="med"/>
+                      <a:tailEnd type="none" w="med" len="med"/>
+                    </a:lnB>
+                    <a:lnTlToBr w="12700" cmpd="sng">
+                      <a:noFill/>
+                      <a:prstDash val="solid"/>
+                    </a:lnTlToBr>
+                    <a:lnBlToTr w="12700" cmpd="sng">
+                      <a:noFill/>
+                      <a:prstDash val="solid"/>
+                    </a:lnBlToTr>
+                    <a:solidFill>
+                      <a:schemeClr val="accent4">
+                        <a:lumMod val="40000"/>
+                        <a:lumOff val="60000"/>
+                      </a:schemeClr>
+                    </a:solidFill>
+                  </a:tcPr>
+                </a:tc>
+                <a:extLst>
+                  <a:ext uri="{0D108BD9-81ED-4DB2-BD59-A6C34878D82A}">
+                    <a16:rowId xmlns:a16="http://schemas.microsoft.com/office/drawing/2014/main" val="2334344078"/>
+                  </a:ext>
+                </a:extLst>
+              </a:tr>
+              <a:tr h="370840">
+                <a:tc>
+                  <a:txBody>
+                    <a:bodyPr/>
+                    <a:lstStyle/>
+                    <a:p>
+                      <a:pPr marL="0" indent="0" algn="l" defTabSz="914400" rtl="0" eaLnBrk="1" latinLnBrk="0" hangingPunct="1">
+                        <a:lnSpc>
+                          <a:spcPct val="150000"/>
+                        </a:lnSpc>
+                        <a:buNone/>
+                        <a:defRPr/>
+                      </a:pPr>
+                      <a:r>
+                        <a:rPr lang="en-US" sz="1000" b="1" kern="1200" noProof="0" dirty="0">
+                          <a:solidFill>
+                            <a:schemeClr val="dk1"/>
+                          </a:solidFill>
+                          <a:latin typeface="+mn-lt"/>
+                          <a:ea typeface="+mn-ea"/>
+                          <a:cs typeface="+mn-cs"/>
+                        </a:rPr>
+                        <a:t>Vectors – </a:t>
+                      </a:r>
+                      <a:r>
+                        <a:rPr lang="en-US" sz="1000" b="1" kern="1200" dirty="0" err="1">
+                          <a:solidFill>
+                            <a:schemeClr val="dk1"/>
+                          </a:solidFill>
+                          <a:latin typeface="+mn-lt"/>
+                          <a:ea typeface="+mn-ea"/>
+                          <a:cs typeface="+mn-cs"/>
+                        </a:rPr>
+                        <a:t>shrink_to</a:t>
+                      </a:r>
+                      <a:r>
+                        <a:rPr lang="en-US" sz="1000" b="1" kern="1200" noProof="0" dirty="0">
+                          <a:solidFill>
+                            <a:schemeClr val="dk1"/>
+                          </a:solidFill>
+                          <a:latin typeface="+mn-lt"/>
+                          <a:ea typeface="+mn-ea"/>
+                          <a:cs typeface="+mn-cs"/>
+                        </a:rPr>
+                        <a:t>_fit</a:t>
+                      </a:r>
+                      <a:endParaRPr lang="en-US" sz="1000" b="1" kern="1200" dirty="0">
+                        <a:solidFill>
+                          <a:schemeClr val="dk1"/>
+                        </a:solidFill>
+                        <a:latin typeface="+mn-lt"/>
+                        <a:ea typeface="+mn-ea"/>
+                        <a:cs typeface="+mn-cs"/>
+                      </a:endParaRPr>
+                    </a:p>
+                    <a:p>
+                      <a:pPr marL="0" indent="0">
+                        <a:buNone/>
+                        <a:defRPr/>
+                      </a:pPr>
+                      <a:r>
+                        <a:rPr lang="en-US" sz="1000" b="1" dirty="0">
+                          <a:solidFill>
+                            <a:prstClr val="black"/>
+                          </a:solidFill>
+                          <a:hlinkClick r:id="rId11"/>
+                        </a:rPr>
+                        <a:t>https://en.cppreference.com/w/cpp/container/vector/shrink_to_fit</a:t>
+                      </a:r>
+                      <a:endParaRPr lang="en-US" sz="1000" b="1" dirty="0">
+                        <a:solidFill>
+                          <a:prstClr val="black"/>
+                        </a:solidFill>
+                      </a:endParaRPr>
+                    </a:p>
+                    <a:p>
+                      <a:pPr marL="0" indent="0">
+                        <a:buNone/>
+                        <a:defRPr/>
+                      </a:pPr>
+                      <a:r>
+                        <a:rPr lang="en-US" sz="1000" b="1" dirty="0">
+                          <a:solidFill>
+                            <a:prstClr val="black"/>
+                          </a:solidFill>
+                          <a:hlinkClick r:id="rId12"/>
+                        </a:rPr>
+                        <a:t>https://stackoverflow.com/q/16518533/4168707</a:t>
+                      </a:r>
+                      <a:endParaRPr lang="en-US" sz="1000" b="1" dirty="0">
+                        <a:solidFill>
+                          <a:prstClr val="black"/>
+                        </a:solidFill>
+                        <a:latin typeface="+mn-lt"/>
+                      </a:endParaRPr>
+                    </a:p>
+                  </a:txBody>
+                  <a:tcPr>
+                    <a:lnL w="12700" cap="flat" cmpd="sng" algn="ctr">
+                      <a:solidFill>
+                        <a:schemeClr val="tx1"/>
+                      </a:solidFill>
+                      <a:prstDash val="solid"/>
+                      <a:round/>
+                      <a:headEnd type="none" w="med" len="med"/>
+                      <a:tailEnd type="none" w="med" len="med"/>
+                    </a:lnL>
+                    <a:lnR w="12700" cap="flat" cmpd="sng" algn="ctr">
+                      <a:solidFill>
+                        <a:schemeClr val="tx1"/>
+                      </a:solidFill>
+                      <a:prstDash val="solid"/>
+                      <a:round/>
+                      <a:headEnd type="none" w="med" len="med"/>
+                      <a:tailEnd type="none" w="med" len="med"/>
+                    </a:lnR>
+                    <a:lnT w="12700" cap="flat" cmpd="sng" algn="ctr">
+                      <a:solidFill>
+                        <a:schemeClr val="tx1"/>
+                      </a:solidFill>
+                      <a:prstDash val="solid"/>
+                      <a:round/>
+                      <a:headEnd type="none" w="med" len="med"/>
+                      <a:tailEnd type="none" w="med" len="med"/>
+                    </a:lnT>
+                    <a:lnB w="12700" cap="flat" cmpd="sng" algn="ctr">
+                      <a:solidFill>
+                        <a:schemeClr val="tx1"/>
+                      </a:solidFill>
+                      <a:prstDash val="solid"/>
+                      <a:round/>
+                      <a:headEnd type="none" w="med" len="med"/>
+                      <a:tailEnd type="none" w="med" len="med"/>
+                    </a:lnB>
+                    <a:lnTlToBr w="12700" cmpd="sng">
+                      <a:noFill/>
+                      <a:prstDash val="solid"/>
+                    </a:lnTlToBr>
+                    <a:lnBlToTr w="12700" cmpd="sng">
+                      <a:noFill/>
+                      <a:prstDash val="solid"/>
+                    </a:lnBlToTr>
+                    <a:solidFill>
+                      <a:schemeClr val="accent4">
+                        <a:lumMod val="20000"/>
+                        <a:lumOff val="80000"/>
+                      </a:schemeClr>
+                    </a:solidFill>
+                  </a:tcPr>
+                </a:tc>
+                <a:tc>
+                  <a:txBody>
+                    <a:bodyPr/>
+                    <a:lstStyle/>
+                    <a:p>
+                      <a:pPr marL="0" indent="0" algn="l" defTabSz="914400" rtl="0" eaLnBrk="1" latinLnBrk="0" hangingPunct="1">
+                        <a:lnSpc>
+                          <a:spcPct val="150000"/>
+                        </a:lnSpc>
+                        <a:buNone/>
+                        <a:defRPr/>
+                      </a:pPr>
+                      <a:r>
+                        <a:rPr lang="en-US" sz="1000" b="1" u="none" kern="1200" dirty="0">
+                          <a:solidFill>
+                            <a:schemeClr val="dk1"/>
+                          </a:solidFill>
+                          <a:latin typeface="+mn-lt"/>
+                          <a:ea typeface="+mn-ea"/>
+                          <a:cs typeface="+mn-cs"/>
+                        </a:rPr>
+                        <a:t>Vectors – Assign</a:t>
+                      </a:r>
+                    </a:p>
+                    <a:p>
+                      <a:r>
+                        <a:rPr lang="en-US" sz="1000" b="1" dirty="0">
+                          <a:hlinkClick r:id="rId13"/>
+                        </a:rPr>
+                        <a:t>https://www.geeksforgeeks.org/vector-assign-in-c-stl/</a:t>
+                      </a:r>
+                      <a:endParaRPr lang="en-US" sz="1000" b="1" dirty="0"/>
+                    </a:p>
+                    <a:p>
+                      <a:r>
+                        <a:rPr lang="en-US" sz="1000" b="1" dirty="0">
+                          <a:hlinkClick r:id="rId14"/>
+                        </a:rPr>
+                        <a:t>https://en.cppreference.com/w/cpp/container/vector/assign</a:t>
+                      </a:r>
+                      <a:endParaRPr lang="en-US" sz="1000" b="1" dirty="0"/>
+                    </a:p>
+                    <a:p>
+                      <a:endParaRPr lang="en-US" sz="1000" b="1" dirty="0"/>
+                    </a:p>
+                    <a:p>
+                      <a:endParaRPr lang="en-US" sz="1000" b="1" dirty="0"/>
+                    </a:p>
+                  </a:txBody>
+                  <a:tcPr>
+                    <a:lnL w="12700" cap="flat" cmpd="sng" algn="ctr">
+                      <a:solidFill>
+                        <a:schemeClr val="tx1"/>
+                      </a:solidFill>
+                      <a:prstDash val="solid"/>
+                      <a:round/>
+                      <a:headEnd type="none" w="med" len="med"/>
+                      <a:tailEnd type="none" w="med" len="med"/>
+                    </a:lnL>
+                    <a:lnR w="12700" cap="flat" cmpd="sng" algn="ctr">
+                      <a:solidFill>
+                        <a:schemeClr val="tx1"/>
+                      </a:solidFill>
+                      <a:prstDash val="solid"/>
+                      <a:round/>
+                      <a:headEnd type="none" w="med" len="med"/>
+                      <a:tailEnd type="none" w="med" len="med"/>
+                    </a:lnR>
+                    <a:lnT w="12700" cap="flat" cmpd="sng" algn="ctr">
+                      <a:solidFill>
+                        <a:schemeClr val="tx1"/>
+                      </a:solidFill>
+                      <a:prstDash val="solid"/>
+                      <a:round/>
+                      <a:headEnd type="none" w="med" len="med"/>
+                      <a:tailEnd type="none" w="med" len="med"/>
+                    </a:lnT>
+                    <a:lnB w="12700" cap="flat" cmpd="sng" algn="ctr">
+                      <a:solidFill>
+                        <a:schemeClr val="tx1"/>
+                      </a:solidFill>
+                      <a:prstDash val="solid"/>
+                      <a:round/>
+                      <a:headEnd type="none" w="med" len="med"/>
+                      <a:tailEnd type="none" w="med" len="med"/>
+                    </a:lnB>
+                    <a:lnTlToBr w="12700" cmpd="sng">
+                      <a:noFill/>
+                      <a:prstDash val="solid"/>
+                    </a:lnTlToBr>
+                    <a:lnBlToTr w="12700" cmpd="sng">
+                      <a:noFill/>
+                      <a:prstDash val="solid"/>
+                    </a:lnBlToTr>
+                    <a:solidFill>
+                      <a:schemeClr val="accent4">
+                        <a:lumMod val="20000"/>
+                        <a:lumOff val="80000"/>
+                      </a:schemeClr>
+                    </a:solidFill>
+                  </a:tcPr>
+                </a:tc>
+                <a:extLst>
+                  <a:ext uri="{0D108BD9-81ED-4DB2-BD59-A6C34878D82A}">
+                    <a16:rowId xmlns:a16="http://schemas.microsoft.com/office/drawing/2014/main" val="3116449768"/>
+                  </a:ext>
+                </a:extLst>
+              </a:tr>
+            </a:tbl>
+          </a:graphicData>
+        </a:graphic>
+      </p:graphicFrame>
     </p:spTree>
     <p:extLst>
       <p:ext uri="{BB962C8B-B14F-4D97-AF65-F5344CB8AC3E}">
-        <p14:creationId xmlns:p14="http://schemas.microsoft.com/office/powerpoint/2010/main" val="538097608"/>
+        <p14:creationId xmlns:p14="http://schemas.microsoft.com/office/powerpoint/2010/main" val="1241341839"/>
       </p:ext>
     </p:extLst>
   </p:cSld>

--- a/CPP-Examples/STL/STL_Presentation.pptx
+++ b/CPP-Examples/STL/STL_Presentation.pptx
@@ -9,7 +9,9 @@
     <p:sldId id="258" r:id="rId3"/>
     <p:sldId id="257" r:id="rId4"/>
     <p:sldId id="260" r:id="rId5"/>
-    <p:sldId id="261" r:id="rId6"/>
+    <p:sldId id="263" r:id="rId6"/>
+    <p:sldId id="264" r:id="rId7"/>
+    <p:sldId id="261" r:id="rId8"/>
   </p:sldIdLst>
   <p:sldSz cx="12192000" cy="6858000"/>
   <p:notesSz cx="6858000" cy="9144000"/>
@@ -263,7 +265,7 @@
           <a:p>
             <a:fld id="{E2B668D4-B287-43EC-B7EB-12E01689B4F9}" type="datetimeFigureOut">
               <a:rPr lang="en-US" smtClean="0"/>
-              <a:t>16/10/2022</a:t>
+              <a:t>19/10/2022</a:t>
             </a:fld>
             <a:endParaRPr lang="en-US"/>
           </a:p>
@@ -461,7 +463,7 @@
           <a:p>
             <a:fld id="{E2B668D4-B287-43EC-B7EB-12E01689B4F9}" type="datetimeFigureOut">
               <a:rPr lang="en-US" smtClean="0"/>
-              <a:t>16/10/2022</a:t>
+              <a:t>19/10/2022</a:t>
             </a:fld>
             <a:endParaRPr lang="en-US"/>
           </a:p>
@@ -669,7 +671,7 @@
           <a:p>
             <a:fld id="{E2B668D4-B287-43EC-B7EB-12E01689B4F9}" type="datetimeFigureOut">
               <a:rPr lang="en-US" smtClean="0"/>
-              <a:t>16/10/2022</a:t>
+              <a:t>19/10/2022</a:t>
             </a:fld>
             <a:endParaRPr lang="en-US"/>
           </a:p>
@@ -867,7 +869,7 @@
           <a:p>
             <a:fld id="{E2B668D4-B287-43EC-B7EB-12E01689B4F9}" type="datetimeFigureOut">
               <a:rPr lang="en-US" smtClean="0"/>
-              <a:t>16/10/2022</a:t>
+              <a:t>19/10/2022</a:t>
             </a:fld>
             <a:endParaRPr lang="en-US"/>
           </a:p>
@@ -1142,7 +1144,7 @@
           <a:p>
             <a:fld id="{E2B668D4-B287-43EC-B7EB-12E01689B4F9}" type="datetimeFigureOut">
               <a:rPr lang="en-US" smtClean="0"/>
-              <a:t>16/10/2022</a:t>
+              <a:t>19/10/2022</a:t>
             </a:fld>
             <a:endParaRPr lang="en-US"/>
           </a:p>
@@ -1407,7 +1409,7 @@
           <a:p>
             <a:fld id="{E2B668D4-B287-43EC-B7EB-12E01689B4F9}" type="datetimeFigureOut">
               <a:rPr lang="en-US" smtClean="0"/>
-              <a:t>16/10/2022</a:t>
+              <a:t>19/10/2022</a:t>
             </a:fld>
             <a:endParaRPr lang="en-US"/>
           </a:p>
@@ -1819,7 +1821,7 @@
           <a:p>
             <a:fld id="{E2B668D4-B287-43EC-B7EB-12E01689B4F9}" type="datetimeFigureOut">
               <a:rPr lang="en-US" smtClean="0"/>
-              <a:t>16/10/2022</a:t>
+              <a:t>19/10/2022</a:t>
             </a:fld>
             <a:endParaRPr lang="en-US"/>
           </a:p>
@@ -1960,7 +1962,7 @@
           <a:p>
             <a:fld id="{E2B668D4-B287-43EC-B7EB-12E01689B4F9}" type="datetimeFigureOut">
               <a:rPr lang="en-US" smtClean="0"/>
-              <a:t>16/10/2022</a:t>
+              <a:t>19/10/2022</a:t>
             </a:fld>
             <a:endParaRPr lang="en-US"/>
           </a:p>
@@ -2073,7 +2075,7 @@
           <a:p>
             <a:fld id="{E2B668D4-B287-43EC-B7EB-12E01689B4F9}" type="datetimeFigureOut">
               <a:rPr lang="en-US" smtClean="0"/>
-              <a:t>16/10/2022</a:t>
+              <a:t>19/10/2022</a:t>
             </a:fld>
             <a:endParaRPr lang="en-US"/>
           </a:p>
@@ -2384,7 +2386,7 @@
           <a:p>
             <a:fld id="{E2B668D4-B287-43EC-B7EB-12E01689B4F9}" type="datetimeFigureOut">
               <a:rPr lang="en-US" smtClean="0"/>
-              <a:t>16/10/2022</a:t>
+              <a:t>19/10/2022</a:t>
             </a:fld>
             <a:endParaRPr lang="en-US"/>
           </a:p>
@@ -2672,7 +2674,7 @@
           <a:p>
             <a:fld id="{E2B668D4-B287-43EC-B7EB-12E01689B4F9}" type="datetimeFigureOut">
               <a:rPr lang="en-US" smtClean="0"/>
-              <a:t>16/10/2022</a:t>
+              <a:t>19/10/2022</a:t>
             </a:fld>
             <a:endParaRPr lang="en-US"/>
           </a:p>
@@ -2913,7 +2915,7 @@
           <a:p>
             <a:fld id="{E2B668D4-B287-43EC-B7EB-12E01689B4F9}" type="datetimeFigureOut">
               <a:rPr lang="en-US" smtClean="0"/>
-              <a:t>16/10/2022</a:t>
+              <a:t>19/10/2022</a:t>
             </a:fld>
             <a:endParaRPr lang="en-US"/>
           </a:p>
@@ -3534,7 +3536,7 @@
           <a:p>
             <a:r>
               <a:rPr lang="en-US" dirty="0"/>
-              <a:t>VECTORS</a:t>
+              <a:t>VECTOR</a:t>
             </a:r>
           </a:p>
         </p:txBody>
@@ -3795,13 +3797,13 @@
           <a:p>
             <a:r>
               <a:rPr lang="en-US" dirty="0"/>
-              <a:t>VECTORS</a:t>
-            </a:r>
-          </a:p>
-        </p:txBody>
-      </p:sp>
-      <mc:AlternateContent xmlns:mc="http://schemas.openxmlformats.org/markup-compatibility/2006">
-        <mc:Choice xmlns:a14="http://schemas.microsoft.com/office/drawing/2010/main" Requires="a14">
+              <a:t>Vector</a:t>
+            </a:r>
+          </a:p>
+        </p:txBody>
+      </p:sp>
+      <mc:AlternateContent xmlns:mc="http://schemas.openxmlformats.org/markup-compatibility/2006" xmlns:a14="http://schemas.microsoft.com/office/drawing/2010/main">
+        <mc:Choice Requires="a14">
           <p:sp>
             <p:nvSpPr>
               <p:cNvPr id="3" name="Content Placeholder 2">
@@ -4045,7 +4047,7 @@
             </p:txBody>
           </p:sp>
         </mc:Choice>
-        <mc:Fallback>
+        <mc:Fallback xmlns="">
           <p:sp>
             <p:nvSpPr>
               <p:cNvPr id="3" name="Content Placeholder 2">
@@ -4124,6 +4126,361 @@
           <p:cNvPr id="2" name="Title 1">
             <a:extLst>
               <a:ext uri="{FF2B5EF4-FFF2-40B4-BE49-F238E27FC236}">
+                <a16:creationId xmlns:a16="http://schemas.microsoft.com/office/drawing/2014/main" id="{74880610-6B8F-0049-0453-7CCE52B44BF3}"/>
+              </a:ext>
+            </a:extLst>
+          </p:cNvPr>
+          <p:cNvSpPr>
+            <a:spLocks noGrp="1"/>
+          </p:cNvSpPr>
+          <p:nvPr>
+            <p:ph type="title"/>
+          </p:nvPr>
+        </p:nvSpPr>
+        <p:spPr/>
+        <p:txBody>
+          <a:bodyPr/>
+          <a:lstStyle/>
+          <a:p>
+            <a:r>
+              <a:rPr lang="en-US" dirty="0"/>
+              <a:t>STRING</a:t>
+            </a:r>
+          </a:p>
+        </p:txBody>
+      </p:sp>
+      <p:sp>
+        <p:nvSpPr>
+          <p:cNvPr id="3" name="Content Placeholder 2">
+            <a:extLst>
+              <a:ext uri="{FF2B5EF4-FFF2-40B4-BE49-F238E27FC236}">
+                <a16:creationId xmlns:a16="http://schemas.microsoft.com/office/drawing/2014/main" id="{6AABCCB0-7017-DF98-D434-B31366113BC7}"/>
+              </a:ext>
+            </a:extLst>
+          </p:cNvPr>
+          <p:cNvSpPr>
+            <a:spLocks noGrp="1"/>
+          </p:cNvSpPr>
+          <p:nvPr>
+            <p:ph idx="1"/>
+          </p:nvPr>
+        </p:nvSpPr>
+        <p:spPr>
+          <a:xfrm>
+            <a:off x="720754" y="1439731"/>
+            <a:ext cx="10515600" cy="4351338"/>
+          </a:xfrm>
+        </p:spPr>
+        <p:txBody>
+          <a:bodyPr>
+            <a:normAutofit/>
+          </a:bodyPr>
+          <a:lstStyle/>
+          <a:p>
+            <a:r>
+              <a:rPr lang="en-GB" dirty="0"/>
+              <a:t>Sequence of characters as an object of the class</a:t>
+            </a:r>
+          </a:p>
+          <a:p>
+            <a:r>
+              <a:rPr lang="en-GB" dirty="0"/>
+              <a:t>Input, Capacity, Iterator, Manipulation</a:t>
+            </a:r>
+          </a:p>
+          <a:p>
+            <a:r>
+              <a:rPr lang="en-GB" dirty="0"/>
+              <a:t>Interesting concepts:</a:t>
+            </a:r>
+          </a:p>
+          <a:p>
+            <a:pPr lvl="1"/>
+            <a:r>
+              <a:rPr lang="en-GB" dirty="0"/>
+              <a:t>string vs vector &lt;char&gt;</a:t>
+            </a:r>
+          </a:p>
+          <a:p>
+            <a:pPr lvl="2"/>
+            <a:r>
+              <a:rPr lang="en-GB" dirty="0"/>
+              <a:t>Easier initialisation for string</a:t>
+            </a:r>
+          </a:p>
+          <a:p>
+            <a:pPr lvl="2"/>
+            <a:endParaRPr lang="en-GB" dirty="0"/>
+          </a:p>
+          <a:p>
+            <a:pPr lvl="1"/>
+            <a:r>
+              <a:rPr lang="en-GB" dirty="0"/>
+              <a:t>string vs </a:t>
+            </a:r>
+            <a:r>
+              <a:rPr lang="en-GB" dirty="0" err="1"/>
+              <a:t>const</a:t>
+            </a:r>
+            <a:r>
+              <a:rPr lang="en-GB" dirty="0"/>
+              <a:t> char*</a:t>
+            </a:r>
+          </a:p>
+          <a:p>
+            <a:pPr lvl="1"/>
+            <a:endParaRPr lang="en-GB" dirty="0"/>
+          </a:p>
+          <a:p>
+            <a:pPr lvl="1"/>
+            <a:r>
+              <a:rPr lang="en-US" dirty="0" err="1"/>
+              <a:t>cpp</a:t>
+            </a:r>
+            <a:r>
+              <a:rPr lang="en-US" dirty="0"/>
+              <a:t> is </a:t>
+            </a:r>
+            <a:r>
+              <a:rPr lang="en-US" dirty="0" err="1"/>
+              <a:t>std:stiring</a:t>
+            </a:r>
+            <a:r>
+              <a:rPr lang="en-US" dirty="0"/>
+              <a:t> not a subclass of vector</a:t>
+            </a:r>
+            <a:endParaRPr lang="en-GB" dirty="0"/>
+          </a:p>
+          <a:p>
+            <a:pPr lvl="2"/>
+            <a:endParaRPr lang="en-GB" dirty="0"/>
+          </a:p>
+          <a:p>
+            <a:pPr lvl="2"/>
+            <a:endParaRPr lang="en-GB" dirty="0"/>
+          </a:p>
+          <a:p>
+            <a:pPr lvl="2"/>
+            <a:endParaRPr lang="en-GB" dirty="0"/>
+          </a:p>
+        </p:txBody>
+      </p:sp>
+    </p:spTree>
+    <p:extLst>
+      <p:ext uri="{BB962C8B-B14F-4D97-AF65-F5344CB8AC3E}">
+        <p14:creationId xmlns:p14="http://schemas.microsoft.com/office/powerpoint/2010/main" val="1083429708"/>
+      </p:ext>
+    </p:extLst>
+  </p:cSld>
+  <p:clrMapOvr>
+    <a:masterClrMapping/>
+  </p:clrMapOvr>
+</p:sld>
+</file>
+
+<file path=ppt/slides/slide6.xml><?xml version="1.0" encoding="utf-8"?>
+<p:sld xmlns:a="http://schemas.openxmlformats.org/drawingml/2006/main" xmlns:r="http://schemas.openxmlformats.org/officeDocument/2006/relationships" xmlns:p="http://schemas.openxmlformats.org/presentationml/2006/main">
+  <p:cSld>
+    <p:spTree>
+      <p:nvGrpSpPr>
+        <p:cNvPr id="1" name=""/>
+        <p:cNvGrpSpPr/>
+        <p:nvPr/>
+      </p:nvGrpSpPr>
+      <p:grpSpPr>
+        <a:xfrm>
+          <a:off x="0" y="0"/>
+          <a:ext cx="0" cy="0"/>
+          <a:chOff x="0" y="0"/>
+          <a:chExt cx="0" cy="0"/>
+        </a:xfrm>
+      </p:grpSpPr>
+      <p:sp>
+        <p:nvSpPr>
+          <p:cNvPr id="2" name="Title 1">
+            <a:extLst>
+              <a:ext uri="{FF2B5EF4-FFF2-40B4-BE49-F238E27FC236}">
+                <a16:creationId xmlns:a16="http://schemas.microsoft.com/office/drawing/2014/main" id="{74880610-6B8F-0049-0453-7CCE52B44BF3}"/>
+              </a:ext>
+            </a:extLst>
+          </p:cNvPr>
+          <p:cNvSpPr>
+            <a:spLocks noGrp="1"/>
+          </p:cNvSpPr>
+          <p:nvPr>
+            <p:ph type="title"/>
+          </p:nvPr>
+        </p:nvSpPr>
+        <p:spPr/>
+        <p:txBody>
+          <a:bodyPr/>
+          <a:lstStyle/>
+          <a:p>
+            <a:r>
+              <a:rPr lang="en-US" dirty="0"/>
+              <a:t>STRING</a:t>
+            </a:r>
+          </a:p>
+        </p:txBody>
+      </p:sp>
+      <p:sp>
+        <p:nvSpPr>
+          <p:cNvPr id="3" name="Content Placeholder 2">
+            <a:extLst>
+              <a:ext uri="{FF2B5EF4-FFF2-40B4-BE49-F238E27FC236}">
+                <a16:creationId xmlns:a16="http://schemas.microsoft.com/office/drawing/2014/main" id="{6AABCCB0-7017-DF98-D434-B31366113BC7}"/>
+              </a:ext>
+            </a:extLst>
+          </p:cNvPr>
+          <p:cNvSpPr>
+            <a:spLocks noGrp="1"/>
+          </p:cNvSpPr>
+          <p:nvPr>
+            <p:ph idx="1"/>
+          </p:nvPr>
+        </p:nvSpPr>
+        <p:spPr>
+          <a:xfrm>
+            <a:off x="720754" y="1439731"/>
+            <a:ext cx="10515600" cy="4351338"/>
+          </a:xfrm>
+        </p:spPr>
+        <p:txBody>
+          <a:bodyPr>
+            <a:normAutofit/>
+          </a:bodyPr>
+          <a:lstStyle/>
+          <a:p>
+            <a:r>
+              <a:rPr lang="en-US" dirty="0"/>
+              <a:t>Interesting concepts:</a:t>
+            </a:r>
+          </a:p>
+          <a:p>
+            <a:pPr lvl="1"/>
+            <a:r>
+              <a:rPr lang="en-GB" dirty="0"/>
+              <a:t>Double Quote (”) vs Sigle Quote(‘):</a:t>
+            </a:r>
+          </a:p>
+          <a:p>
+            <a:pPr lvl="2"/>
+            <a:r>
+              <a:rPr lang="en-GB" dirty="0"/>
+              <a:t>single quotes = single character</a:t>
+            </a:r>
+          </a:p>
+          <a:p>
+            <a:pPr lvl="2"/>
+            <a:r>
+              <a:rPr lang="en-GB" dirty="0"/>
+              <a:t>double quotes = string literal</a:t>
+            </a:r>
+          </a:p>
+          <a:p>
+            <a:pPr lvl="2"/>
+            <a:r>
+              <a:rPr lang="en-GB" dirty="0"/>
+              <a:t> "a"  = 'a’ + a null terminator</a:t>
+            </a:r>
+          </a:p>
+          <a:p>
+            <a:pPr lvl="2"/>
+            <a:endParaRPr lang="en-GB" dirty="0"/>
+          </a:p>
+          <a:p>
+            <a:pPr lvl="1"/>
+            <a:r>
+              <a:rPr lang="en-GB" dirty="0"/>
+              <a:t>Iterator invalidation ??</a:t>
+            </a:r>
+          </a:p>
+          <a:p>
+            <a:pPr lvl="1"/>
+            <a:endParaRPr lang="en-US" dirty="0"/>
+          </a:p>
+          <a:p>
+            <a:pPr lvl="1"/>
+            <a:r>
+              <a:rPr lang="en-US" dirty="0" err="1"/>
+              <a:t>Sizeof</a:t>
+            </a:r>
+            <a:r>
+              <a:rPr lang="en-US" dirty="0"/>
+              <a:t> (string) ??</a:t>
+            </a:r>
+          </a:p>
+          <a:p>
+            <a:pPr lvl="2"/>
+            <a:endParaRPr lang="en-US" dirty="0"/>
+          </a:p>
+        </p:txBody>
+      </p:sp>
+      <p:pic>
+        <p:nvPicPr>
+          <p:cNvPr id="8" name="Picture 7">
+            <a:extLst>
+              <a:ext uri="{FF2B5EF4-FFF2-40B4-BE49-F238E27FC236}">
+                <a16:creationId xmlns:a16="http://schemas.microsoft.com/office/drawing/2014/main" id="{DF0DC76D-9380-8514-D9EC-C789A95FDB53}"/>
+              </a:ext>
+            </a:extLst>
+          </p:cNvPr>
+          <p:cNvPicPr>
+            <a:picLocks noChangeAspect="1"/>
+          </p:cNvPicPr>
+          <p:nvPr/>
+        </p:nvPicPr>
+        <p:blipFill>
+          <a:blip r:embed="rId2"/>
+          <a:stretch>
+            <a:fillRect/>
+          </a:stretch>
+        </p:blipFill>
+        <p:spPr>
+          <a:xfrm>
+            <a:off x="5745894" y="4111293"/>
+            <a:ext cx="2905530" cy="2381582"/>
+          </a:xfrm>
+          <a:prstGeom prst="rect">
+            <a:avLst/>
+          </a:prstGeom>
+        </p:spPr>
+      </p:pic>
+    </p:spTree>
+    <p:extLst>
+      <p:ext uri="{BB962C8B-B14F-4D97-AF65-F5344CB8AC3E}">
+        <p14:creationId xmlns:p14="http://schemas.microsoft.com/office/powerpoint/2010/main" val="3874189251"/>
+      </p:ext>
+    </p:extLst>
+  </p:cSld>
+  <p:clrMapOvr>
+    <a:masterClrMapping/>
+  </p:clrMapOvr>
+</p:sld>
+</file>
+
+<file path=ppt/slides/slide7.xml><?xml version="1.0" encoding="utf-8"?>
+<p:sld xmlns:a="http://schemas.openxmlformats.org/drawingml/2006/main" xmlns:r="http://schemas.openxmlformats.org/officeDocument/2006/relationships" xmlns:p="http://schemas.openxmlformats.org/presentationml/2006/main">
+  <p:cSld>
+    <p:spTree>
+      <p:nvGrpSpPr>
+        <p:cNvPr id="1" name=""/>
+        <p:cNvGrpSpPr/>
+        <p:nvPr/>
+      </p:nvGrpSpPr>
+      <p:grpSpPr>
+        <a:xfrm>
+          <a:off x="0" y="0"/>
+          <a:ext cx="0" cy="0"/>
+          <a:chOff x="0" y="0"/>
+          <a:chExt cx="0" cy="0"/>
+        </a:xfrm>
+      </p:grpSpPr>
+      <p:sp>
+        <p:nvSpPr>
+          <p:cNvPr id="2" name="Title 1">
+            <a:extLst>
+              <a:ext uri="{FF2B5EF4-FFF2-40B4-BE49-F238E27FC236}">
                 <a16:creationId xmlns:a16="http://schemas.microsoft.com/office/drawing/2014/main" id="{7E9F02AB-00A8-F204-A938-6ECB39CC53F6}"/>
               </a:ext>
             </a:extLst>
@@ -4163,14 +4520,14 @@
             <p:ph idx="1"/>
             <p:extLst>
               <p:ext uri="{D42A27DB-BD31-4B8C-83A1-F6EECF244321}">
-                <p14:modId xmlns:p14="http://schemas.microsoft.com/office/powerpoint/2010/main" val="1704110643"/>
+                <p14:modId xmlns:p14="http://schemas.microsoft.com/office/powerpoint/2010/main" val="2014594132"/>
               </p:ext>
             </p:extLst>
           </p:nvPr>
         </p:nvGraphicFramePr>
         <p:xfrm>
           <a:off x="838200" y="1825625"/>
-          <a:ext cx="10663518" cy="3108960"/>
+          <a:ext cx="10663518" cy="4028440"/>
         </p:xfrm>
         <a:graphic>
           <a:graphicData uri="http://schemas.openxmlformats.org/drawingml/2006/table">
@@ -4434,7 +4791,7 @@
                           <a:ea typeface="+mn-ea"/>
                           <a:cs typeface="+mn-cs"/>
                         </a:rPr>
-                        <a:t>Vectors</a:t>
+                        <a:t>Vector</a:t>
                       </a:r>
                       <a:endParaRPr lang="en-US" sz="1000" b="1" kern="1200" noProof="0" dirty="0">
                         <a:solidFill>
@@ -4701,7 +5058,7 @@
                           <a:ea typeface="+mn-ea"/>
                           <a:cs typeface="+mn-cs"/>
                         </a:rPr>
-                        <a:t>Vectors – </a:t>
+                        <a:t>Vector – </a:t>
                       </a:r>
                       <a:r>
                         <a:rPr lang="en-US" sz="1000" b="1" kern="1200" dirty="0">
@@ -4882,7 +5239,7 @@
                           <a:ea typeface="+mn-ea"/>
                           <a:cs typeface="+mn-cs"/>
                         </a:rPr>
-                        <a:t>Vectors - Reserve</a:t>
+                        <a:t>Vector - Reserve</a:t>
                       </a:r>
                       <a:endParaRPr lang="en-US" sz="1000" b="1" u="none" kern="1200" dirty="0">
                         <a:solidFill>
@@ -4994,7 +5351,7 @@
                           <a:ea typeface="+mn-ea"/>
                           <a:cs typeface="+mn-cs"/>
                         </a:rPr>
-                        <a:t>Vectors – </a:t>
+                        <a:t>Vector – </a:t>
                       </a:r>
                       <a:r>
                         <a:rPr lang="en-US" sz="1000" b="1" kern="1200" dirty="0" err="1">
@@ -5143,7 +5500,7 @@
                           <a:ea typeface="+mn-ea"/>
                           <a:cs typeface="+mn-cs"/>
                         </a:rPr>
-                        <a:t>Vectors – Assign</a:t>
+                        <a:t>Vector – Assign</a:t>
                       </a:r>
                     </a:p>
                     <a:p>
@@ -5227,6 +5584,334 @@
                 <a:extLst>
                   <a:ext uri="{0D108BD9-81ED-4DB2-BD59-A6C34878D82A}">
                     <a16:rowId xmlns:a16="http://schemas.microsoft.com/office/drawing/2014/main" val="3116449768"/>
+                  </a:ext>
+                </a:extLst>
+              </a:tr>
+              <a:tr h="370840">
+                <a:tc>
+                  <a:txBody>
+                    <a:bodyPr/>
+                    <a:lstStyle/>
+                    <a:p>
+                      <a:pPr marL="0" indent="0">
+                        <a:buNone/>
+                        <a:defRPr/>
+                      </a:pPr>
+                      <a:r>
+                        <a:rPr lang="en-US" sz="1000" b="1" dirty="0">
+                          <a:solidFill>
+                            <a:prstClr val="black"/>
+                          </a:solidFill>
+                          <a:latin typeface="+mn-lt"/>
+                        </a:rPr>
+                        <a:t>String</a:t>
+                      </a:r>
+                    </a:p>
+                    <a:p>
+                      <a:pPr marL="0" indent="0">
+                        <a:buNone/>
+                        <a:defRPr/>
+                      </a:pPr>
+                      <a:r>
+                        <a:rPr lang="en-US" sz="1000" b="1" dirty="0">
+                          <a:solidFill>
+                            <a:prstClr val="black"/>
+                          </a:solidFill>
+                          <a:latin typeface="+mn-lt"/>
+                          <a:hlinkClick r:id="rId15"/>
+                        </a:rPr>
+                        <a:t>https://www.geeksforgeeks.org/stdstring-class-in-c/</a:t>
+                      </a:r>
+                      <a:endParaRPr lang="en-US" sz="1000" b="1" dirty="0">
+                        <a:solidFill>
+                          <a:prstClr val="black"/>
+                        </a:solidFill>
+                        <a:latin typeface="+mn-lt"/>
+                      </a:endParaRPr>
+                    </a:p>
+                    <a:p>
+                      <a:pPr marL="0" indent="0">
+                        <a:buNone/>
+                        <a:defRPr/>
+                      </a:pPr>
+                      <a:endParaRPr lang="en-US" sz="1000" b="1" dirty="0">
+                        <a:solidFill>
+                          <a:prstClr val="black"/>
+                        </a:solidFill>
+                        <a:latin typeface="+mn-lt"/>
+                      </a:endParaRPr>
+                    </a:p>
+                  </a:txBody>
+                  <a:tcPr>
+                    <a:lnL w="12700" cap="flat" cmpd="sng" algn="ctr">
+                      <a:solidFill>
+                        <a:schemeClr val="tx1"/>
+                      </a:solidFill>
+                      <a:prstDash val="solid"/>
+                      <a:round/>
+                      <a:headEnd type="none" w="med" len="med"/>
+                      <a:tailEnd type="none" w="med" len="med"/>
+                    </a:lnL>
+                    <a:lnR w="12700" cap="flat" cmpd="sng" algn="ctr">
+                      <a:solidFill>
+                        <a:schemeClr val="tx1"/>
+                      </a:solidFill>
+                      <a:prstDash val="solid"/>
+                      <a:round/>
+                      <a:headEnd type="none" w="med" len="med"/>
+                      <a:tailEnd type="none" w="med" len="med"/>
+                    </a:lnR>
+                    <a:lnT w="12700" cap="flat" cmpd="sng" algn="ctr">
+                      <a:solidFill>
+                        <a:schemeClr val="tx1"/>
+                      </a:solidFill>
+                      <a:prstDash val="solid"/>
+                      <a:round/>
+                      <a:headEnd type="none" w="med" len="med"/>
+                      <a:tailEnd type="none" w="med" len="med"/>
+                    </a:lnT>
+                    <a:lnB w="12700" cap="flat" cmpd="sng" algn="ctr">
+                      <a:solidFill>
+                        <a:schemeClr val="tx1"/>
+                      </a:solidFill>
+                      <a:prstDash val="solid"/>
+                      <a:round/>
+                      <a:headEnd type="none" w="med" len="med"/>
+                      <a:tailEnd type="none" w="med" len="med"/>
+                    </a:lnB>
+                    <a:lnTlToBr w="12700" cmpd="sng">
+                      <a:noFill/>
+                      <a:prstDash val="solid"/>
+                    </a:lnTlToBr>
+                    <a:lnBlToTr w="12700" cmpd="sng">
+                      <a:noFill/>
+                      <a:prstDash val="solid"/>
+                    </a:lnBlToTr>
+                    <a:solidFill>
+                      <a:schemeClr val="accent4">
+                        <a:lumMod val="40000"/>
+                        <a:lumOff val="60000"/>
+                      </a:schemeClr>
+                    </a:solidFill>
+                  </a:tcPr>
+                </a:tc>
+                <a:tc>
+                  <a:txBody>
+                    <a:bodyPr/>
+                    <a:lstStyle/>
+                    <a:p>
+                      <a:r>
+                        <a:rPr lang="en-US" sz="1000" b="1" dirty="0"/>
+                        <a:t>String – Single Quote vs Double Quotes</a:t>
+                      </a:r>
+                    </a:p>
+                    <a:p>
+                      <a:r>
+                        <a:rPr lang="en-US" sz="1000" b="1" dirty="0">
+                          <a:hlinkClick r:id="rId16"/>
+                        </a:rPr>
+                        <a:t>https://stackoverflow.com/a/3683613/4168707</a:t>
+                      </a:r>
+                      <a:endParaRPr lang="en-US" sz="1000" b="1" dirty="0"/>
+                    </a:p>
+                    <a:p>
+                      <a:endParaRPr lang="en-US" sz="1000" b="1" dirty="0"/>
+                    </a:p>
+                  </a:txBody>
+                  <a:tcPr>
+                    <a:lnL w="12700" cap="flat" cmpd="sng" algn="ctr">
+                      <a:solidFill>
+                        <a:schemeClr val="tx1"/>
+                      </a:solidFill>
+                      <a:prstDash val="solid"/>
+                      <a:round/>
+                      <a:headEnd type="none" w="med" len="med"/>
+                      <a:tailEnd type="none" w="med" len="med"/>
+                    </a:lnL>
+                    <a:lnR w="12700" cap="flat" cmpd="sng" algn="ctr">
+                      <a:solidFill>
+                        <a:schemeClr val="tx1"/>
+                      </a:solidFill>
+                      <a:prstDash val="solid"/>
+                      <a:round/>
+                      <a:headEnd type="none" w="med" len="med"/>
+                      <a:tailEnd type="none" w="med" len="med"/>
+                    </a:lnR>
+                    <a:lnT w="12700" cap="flat" cmpd="sng" algn="ctr">
+                      <a:solidFill>
+                        <a:schemeClr val="tx1"/>
+                      </a:solidFill>
+                      <a:prstDash val="solid"/>
+                      <a:round/>
+                      <a:headEnd type="none" w="med" len="med"/>
+                      <a:tailEnd type="none" w="med" len="med"/>
+                    </a:lnT>
+                    <a:lnB w="12700" cap="flat" cmpd="sng" algn="ctr">
+                      <a:solidFill>
+                        <a:schemeClr val="tx1"/>
+                      </a:solidFill>
+                      <a:prstDash val="solid"/>
+                      <a:round/>
+                      <a:headEnd type="none" w="med" len="med"/>
+                      <a:tailEnd type="none" w="med" len="med"/>
+                    </a:lnB>
+                    <a:lnTlToBr w="12700" cmpd="sng">
+                      <a:noFill/>
+                      <a:prstDash val="solid"/>
+                    </a:lnTlToBr>
+                    <a:lnBlToTr w="12700" cmpd="sng">
+                      <a:noFill/>
+                      <a:prstDash val="solid"/>
+                    </a:lnBlToTr>
+                    <a:solidFill>
+                      <a:schemeClr val="accent4">
+                        <a:lumMod val="40000"/>
+                        <a:lumOff val="60000"/>
+                      </a:schemeClr>
+                    </a:solidFill>
+                  </a:tcPr>
+                </a:tc>
+                <a:extLst>
+                  <a:ext uri="{0D108BD9-81ED-4DB2-BD59-A6C34878D82A}">
+                    <a16:rowId xmlns:a16="http://schemas.microsoft.com/office/drawing/2014/main" val="927941286"/>
+                  </a:ext>
+                </a:extLst>
+              </a:tr>
+              <a:tr h="370840">
+                <a:tc>
+                  <a:txBody>
+                    <a:bodyPr/>
+                    <a:lstStyle/>
+                    <a:p>
+                      <a:pPr marL="0" indent="0">
+                        <a:buNone/>
+                        <a:defRPr/>
+                      </a:pPr>
+                      <a:endParaRPr lang="en-US" sz="1000" b="1" dirty="0">
+                        <a:solidFill>
+                          <a:prstClr val="black"/>
+                        </a:solidFill>
+                        <a:latin typeface="+mn-lt"/>
+                      </a:endParaRPr>
+                    </a:p>
+                  </a:txBody>
+                  <a:tcPr>
+                    <a:lnL w="12700" cap="flat" cmpd="sng" algn="ctr">
+                      <a:solidFill>
+                        <a:schemeClr val="tx1"/>
+                      </a:solidFill>
+                      <a:prstDash val="solid"/>
+                      <a:round/>
+                      <a:headEnd type="none" w="med" len="med"/>
+                      <a:tailEnd type="none" w="med" len="med"/>
+                    </a:lnL>
+                    <a:lnR w="12700" cap="flat" cmpd="sng" algn="ctr">
+                      <a:solidFill>
+                        <a:schemeClr val="tx1"/>
+                      </a:solidFill>
+                      <a:prstDash val="solid"/>
+                      <a:round/>
+                      <a:headEnd type="none" w="med" len="med"/>
+                      <a:tailEnd type="none" w="med" len="med"/>
+                    </a:lnR>
+                    <a:lnT w="12700" cap="flat" cmpd="sng" algn="ctr">
+                      <a:solidFill>
+                        <a:schemeClr val="tx1"/>
+                      </a:solidFill>
+                      <a:prstDash val="solid"/>
+                      <a:round/>
+                      <a:headEnd type="none" w="med" len="med"/>
+                      <a:tailEnd type="none" w="med" len="med"/>
+                    </a:lnT>
+                    <a:lnB w="12700" cap="flat" cmpd="sng" algn="ctr">
+                      <a:solidFill>
+                        <a:schemeClr val="tx1"/>
+                      </a:solidFill>
+                      <a:prstDash val="solid"/>
+                      <a:round/>
+                      <a:headEnd type="none" w="med" len="med"/>
+                      <a:tailEnd type="none" w="med" len="med"/>
+                    </a:lnB>
+                    <a:lnTlToBr w="12700" cmpd="sng">
+                      <a:noFill/>
+                      <a:prstDash val="solid"/>
+                    </a:lnTlToBr>
+                    <a:lnBlToTr w="12700" cmpd="sng">
+                      <a:noFill/>
+                      <a:prstDash val="solid"/>
+                    </a:lnBlToTr>
+                    <a:solidFill>
+                      <a:schemeClr val="accent4">
+                        <a:lumMod val="20000"/>
+                        <a:lumOff val="80000"/>
+                      </a:schemeClr>
+                    </a:solidFill>
+                  </a:tcPr>
+                </a:tc>
+                <a:tc>
+                  <a:txBody>
+                    <a:bodyPr/>
+                    <a:lstStyle/>
+                    <a:p>
+                      <a:endParaRPr lang="en-US" sz="1000" b="1" dirty="0"/>
+                    </a:p>
+                  </a:txBody>
+                  <a:tcPr>
+                    <a:lnL w="12700" cap="flat" cmpd="sng" algn="ctr">
+                      <a:solidFill>
+                        <a:schemeClr val="tx1"/>
+                      </a:solidFill>
+                      <a:prstDash val="solid"/>
+                      <a:round/>
+                      <a:headEnd type="none" w="med" len="med"/>
+                      <a:tailEnd type="none" w="med" len="med"/>
+                    </a:lnL>
+                    <a:lnR w="12700" cap="flat" cmpd="sng" algn="ctr">
+                      <a:solidFill>
+                        <a:schemeClr val="tx1"/>
+                      </a:solidFill>
+                      <a:prstDash val="solid"/>
+                      <a:round/>
+                      <a:headEnd type="none" w="med" len="med"/>
+                      <a:tailEnd type="none" w="med" len="med"/>
+                    </a:lnR>
+                    <a:lnT w="12700" cap="flat" cmpd="sng" algn="ctr">
+                      <a:solidFill>
+                        <a:schemeClr val="tx1"/>
+                      </a:solidFill>
+                      <a:prstDash val="solid"/>
+                      <a:round/>
+                      <a:headEnd type="none" w="med" len="med"/>
+                      <a:tailEnd type="none" w="med" len="med"/>
+                    </a:lnT>
+                    <a:lnB w="12700" cap="flat" cmpd="sng" algn="ctr">
+                      <a:solidFill>
+                        <a:schemeClr val="tx1"/>
+                      </a:solidFill>
+                      <a:prstDash val="solid"/>
+                      <a:round/>
+                      <a:headEnd type="none" w="med" len="med"/>
+                      <a:tailEnd type="none" w="med" len="med"/>
+                    </a:lnB>
+                    <a:lnTlToBr w="12700" cmpd="sng">
+                      <a:noFill/>
+                      <a:prstDash val="solid"/>
+                    </a:lnTlToBr>
+                    <a:lnBlToTr w="12700" cmpd="sng">
+                      <a:noFill/>
+                      <a:prstDash val="solid"/>
+                    </a:lnBlToTr>
+                    <a:solidFill>
+                      <a:schemeClr val="accent4">
+                        <a:lumMod val="20000"/>
+                        <a:lumOff val="80000"/>
+                      </a:schemeClr>
+                    </a:solidFill>
+                  </a:tcPr>
+                </a:tc>
+                <a:extLst>
+                  <a:ext uri="{0D108BD9-81ED-4DB2-BD59-A6C34878D82A}">
+                    <a16:rowId xmlns:a16="http://schemas.microsoft.com/office/drawing/2014/main" val="3762110643"/>
                   </a:ext>
                 </a:extLst>
               </a:tr>

--- a/CPP-Examples/STL/STL_Presentation.pptx
+++ b/CPP-Examples/STL/STL_Presentation.pptx
@@ -11,7 +11,9 @@
     <p:sldId id="260" r:id="rId5"/>
     <p:sldId id="263" r:id="rId6"/>
     <p:sldId id="264" r:id="rId7"/>
-    <p:sldId id="261" r:id="rId8"/>
+    <p:sldId id="265" r:id="rId8"/>
+    <p:sldId id="266" r:id="rId9"/>
+    <p:sldId id="261" r:id="rId10"/>
   </p:sldIdLst>
   <p:sldSz cx="12192000" cy="6858000"/>
   <p:notesSz cx="6858000" cy="9144000"/>
@@ -265,7 +267,7 @@
           <a:p>
             <a:fld id="{E2B668D4-B287-43EC-B7EB-12E01689B4F9}" type="datetimeFigureOut">
               <a:rPr lang="en-US" smtClean="0"/>
-              <a:t>19/10/2022</a:t>
+              <a:t>20/10/2022</a:t>
             </a:fld>
             <a:endParaRPr lang="en-US"/>
           </a:p>
@@ -463,7 +465,7 @@
           <a:p>
             <a:fld id="{E2B668D4-B287-43EC-B7EB-12E01689B4F9}" type="datetimeFigureOut">
               <a:rPr lang="en-US" smtClean="0"/>
-              <a:t>19/10/2022</a:t>
+              <a:t>20/10/2022</a:t>
             </a:fld>
             <a:endParaRPr lang="en-US"/>
           </a:p>
@@ -671,7 +673,7 @@
           <a:p>
             <a:fld id="{E2B668D4-B287-43EC-B7EB-12E01689B4F9}" type="datetimeFigureOut">
               <a:rPr lang="en-US" smtClean="0"/>
-              <a:t>19/10/2022</a:t>
+              <a:t>20/10/2022</a:t>
             </a:fld>
             <a:endParaRPr lang="en-US"/>
           </a:p>
@@ -869,7 +871,7 @@
           <a:p>
             <a:fld id="{E2B668D4-B287-43EC-B7EB-12E01689B4F9}" type="datetimeFigureOut">
               <a:rPr lang="en-US" smtClean="0"/>
-              <a:t>19/10/2022</a:t>
+              <a:t>20/10/2022</a:t>
             </a:fld>
             <a:endParaRPr lang="en-US"/>
           </a:p>
@@ -1144,7 +1146,7 @@
           <a:p>
             <a:fld id="{E2B668D4-B287-43EC-B7EB-12E01689B4F9}" type="datetimeFigureOut">
               <a:rPr lang="en-US" smtClean="0"/>
-              <a:t>19/10/2022</a:t>
+              <a:t>20/10/2022</a:t>
             </a:fld>
             <a:endParaRPr lang="en-US"/>
           </a:p>
@@ -1409,7 +1411,7 @@
           <a:p>
             <a:fld id="{E2B668D4-B287-43EC-B7EB-12E01689B4F9}" type="datetimeFigureOut">
               <a:rPr lang="en-US" smtClean="0"/>
-              <a:t>19/10/2022</a:t>
+              <a:t>20/10/2022</a:t>
             </a:fld>
             <a:endParaRPr lang="en-US"/>
           </a:p>
@@ -1821,7 +1823,7 @@
           <a:p>
             <a:fld id="{E2B668D4-B287-43EC-B7EB-12E01689B4F9}" type="datetimeFigureOut">
               <a:rPr lang="en-US" smtClean="0"/>
-              <a:t>19/10/2022</a:t>
+              <a:t>20/10/2022</a:t>
             </a:fld>
             <a:endParaRPr lang="en-US"/>
           </a:p>
@@ -1962,7 +1964,7 @@
           <a:p>
             <a:fld id="{E2B668D4-B287-43EC-B7EB-12E01689B4F9}" type="datetimeFigureOut">
               <a:rPr lang="en-US" smtClean="0"/>
-              <a:t>19/10/2022</a:t>
+              <a:t>20/10/2022</a:t>
             </a:fld>
             <a:endParaRPr lang="en-US"/>
           </a:p>
@@ -2075,7 +2077,7 @@
           <a:p>
             <a:fld id="{E2B668D4-B287-43EC-B7EB-12E01689B4F9}" type="datetimeFigureOut">
               <a:rPr lang="en-US" smtClean="0"/>
-              <a:t>19/10/2022</a:t>
+              <a:t>20/10/2022</a:t>
             </a:fld>
             <a:endParaRPr lang="en-US"/>
           </a:p>
@@ -2386,7 +2388,7 @@
           <a:p>
             <a:fld id="{E2B668D4-B287-43EC-B7EB-12E01689B4F9}" type="datetimeFigureOut">
               <a:rPr lang="en-US" smtClean="0"/>
-              <a:t>19/10/2022</a:t>
+              <a:t>20/10/2022</a:t>
             </a:fld>
             <a:endParaRPr lang="en-US"/>
           </a:p>
@@ -2674,7 +2676,7 @@
           <a:p>
             <a:fld id="{E2B668D4-B287-43EC-B7EB-12E01689B4F9}" type="datetimeFigureOut">
               <a:rPr lang="en-US" smtClean="0"/>
-              <a:t>19/10/2022</a:t>
+              <a:t>20/10/2022</a:t>
             </a:fld>
             <a:endParaRPr lang="en-US"/>
           </a:p>
@@ -2915,7 +2917,7 @@
           <a:p>
             <a:fld id="{E2B668D4-B287-43EC-B7EB-12E01689B4F9}" type="datetimeFigureOut">
               <a:rPr lang="en-US" smtClean="0"/>
-              <a:t>19/10/2022</a:t>
+              <a:t>20/10/2022</a:t>
             </a:fld>
             <a:endParaRPr lang="en-US"/>
           </a:p>
@@ -3536,7 +3538,7 @@
           <a:p>
             <a:r>
               <a:rPr lang="en-US" dirty="0"/>
-              <a:t>VECTOR</a:t>
+              <a:t>vector</a:t>
             </a:r>
           </a:p>
         </p:txBody>
@@ -3797,7 +3799,7 @@
           <a:p>
             <a:r>
               <a:rPr lang="en-US" dirty="0"/>
-              <a:t>Vector</a:t>
+              <a:t>vector</a:t>
             </a:r>
           </a:p>
         </p:txBody>
@@ -4144,7 +4146,7 @@
           <a:p>
             <a:r>
               <a:rPr lang="en-US" dirty="0"/>
-              <a:t>STRING</a:t>
+              <a:t>string</a:t>
             </a:r>
           </a:p>
         </p:txBody>
@@ -4318,7 +4320,7 @@
           <a:p>
             <a:r>
               <a:rPr lang="en-US" dirty="0"/>
-              <a:t>STRING</a:t>
+              <a:t>string</a:t>
             </a:r>
           </a:p>
         </p:txBody>
@@ -4460,6 +4462,239 @@
 </file>
 
 <file path=ppt/slides/slide7.xml><?xml version="1.0" encoding="utf-8"?>
+<p:sld xmlns:a="http://schemas.openxmlformats.org/drawingml/2006/main" xmlns:r="http://schemas.openxmlformats.org/officeDocument/2006/relationships" xmlns:p="http://schemas.openxmlformats.org/presentationml/2006/main">
+  <p:cSld>
+    <p:spTree>
+      <p:nvGrpSpPr>
+        <p:cNvPr id="1" name=""/>
+        <p:cNvGrpSpPr/>
+        <p:nvPr/>
+      </p:nvGrpSpPr>
+      <p:grpSpPr>
+        <a:xfrm>
+          <a:off x="0" y="0"/>
+          <a:ext cx="0" cy="0"/>
+          <a:chOff x="0" y="0"/>
+          <a:chExt cx="0" cy="0"/>
+        </a:xfrm>
+      </p:grpSpPr>
+      <p:sp>
+        <p:nvSpPr>
+          <p:cNvPr id="2" name="Title 1">
+            <a:extLst>
+              <a:ext uri="{FF2B5EF4-FFF2-40B4-BE49-F238E27FC236}">
+                <a16:creationId xmlns:a16="http://schemas.microsoft.com/office/drawing/2014/main" id="{74880610-6B8F-0049-0453-7CCE52B44BF3}"/>
+              </a:ext>
+            </a:extLst>
+          </p:cNvPr>
+          <p:cNvSpPr>
+            <a:spLocks noGrp="1"/>
+          </p:cNvSpPr>
+          <p:nvPr>
+            <p:ph type="title"/>
+          </p:nvPr>
+        </p:nvSpPr>
+        <p:spPr/>
+        <p:txBody>
+          <a:bodyPr/>
+          <a:lstStyle/>
+          <a:p>
+            <a:r>
+              <a:rPr lang="en-US" dirty="0" err="1"/>
+              <a:t>unordered_map</a:t>
+            </a:r>
+            <a:endParaRPr lang="en-US" dirty="0"/>
+          </a:p>
+        </p:txBody>
+      </p:sp>
+      <p:sp>
+        <p:nvSpPr>
+          <p:cNvPr id="3" name="Content Placeholder 2">
+            <a:extLst>
+              <a:ext uri="{FF2B5EF4-FFF2-40B4-BE49-F238E27FC236}">
+                <a16:creationId xmlns:a16="http://schemas.microsoft.com/office/drawing/2014/main" id="{6AABCCB0-7017-DF98-D434-B31366113BC7}"/>
+              </a:ext>
+            </a:extLst>
+          </p:cNvPr>
+          <p:cNvSpPr>
+            <a:spLocks noGrp="1"/>
+          </p:cNvSpPr>
+          <p:nvPr>
+            <p:ph idx="1"/>
+          </p:nvPr>
+        </p:nvSpPr>
+        <p:spPr>
+          <a:xfrm>
+            <a:off x="720754" y="1439731"/>
+            <a:ext cx="10515600" cy="4351338"/>
+          </a:xfrm>
+        </p:spPr>
+        <p:txBody>
+          <a:bodyPr>
+            <a:normAutofit/>
+          </a:bodyPr>
+          <a:lstStyle/>
+          <a:p>
+            <a:r>
+              <a:rPr lang="en-GB" dirty="0"/>
+              <a:t>Elements stored  as a dictionary without any order.</a:t>
+            </a:r>
+          </a:p>
+          <a:p>
+            <a:r>
+              <a:rPr lang="en-US" dirty="0"/>
+              <a:t>Search/ Insert/ Delete: Θ(1) time.</a:t>
+            </a:r>
+          </a:p>
+          <a:p>
+            <a:endParaRPr lang="en-GB" dirty="0"/>
+          </a:p>
+          <a:p>
+            <a:r>
+              <a:rPr lang="en-GB" dirty="0" err="1"/>
+              <a:t>unordered_map</a:t>
+            </a:r>
+            <a:r>
+              <a:rPr lang="en-GB" dirty="0"/>
+              <a:t> vs map:</a:t>
+            </a:r>
+          </a:p>
+          <a:p>
+            <a:pPr lvl="1"/>
+            <a:r>
+              <a:rPr lang="en-GB" dirty="0"/>
+              <a:t>Order of keys</a:t>
+            </a:r>
+          </a:p>
+          <a:p>
+            <a:pPr lvl="1"/>
+            <a:r>
+              <a:rPr lang="en-GB" dirty="0"/>
+              <a:t>Hash table vs BST </a:t>
+            </a:r>
+          </a:p>
+          <a:p>
+            <a:pPr lvl="1"/>
+            <a:endParaRPr lang="en-GB" dirty="0"/>
+          </a:p>
+          <a:p>
+            <a:pPr lvl="1"/>
+            <a:endParaRPr lang="en-GB" dirty="0"/>
+          </a:p>
+        </p:txBody>
+      </p:sp>
+    </p:spTree>
+    <p:extLst>
+      <p:ext uri="{BB962C8B-B14F-4D97-AF65-F5344CB8AC3E}">
+        <p14:creationId xmlns:p14="http://schemas.microsoft.com/office/powerpoint/2010/main" val="902908605"/>
+      </p:ext>
+    </p:extLst>
+  </p:cSld>
+  <p:clrMapOvr>
+    <a:masterClrMapping/>
+  </p:clrMapOvr>
+</p:sld>
+</file>
+
+<file path=ppt/slides/slide8.xml><?xml version="1.0" encoding="utf-8"?>
+<p:sld xmlns:a="http://schemas.openxmlformats.org/drawingml/2006/main" xmlns:r="http://schemas.openxmlformats.org/officeDocument/2006/relationships" xmlns:p="http://schemas.openxmlformats.org/presentationml/2006/main">
+  <p:cSld>
+    <p:spTree>
+      <p:nvGrpSpPr>
+        <p:cNvPr id="1" name=""/>
+        <p:cNvGrpSpPr/>
+        <p:nvPr/>
+      </p:nvGrpSpPr>
+      <p:grpSpPr>
+        <a:xfrm>
+          <a:off x="0" y="0"/>
+          <a:ext cx="0" cy="0"/>
+          <a:chOff x="0" y="0"/>
+          <a:chExt cx="0" cy="0"/>
+        </a:xfrm>
+      </p:grpSpPr>
+      <p:sp>
+        <p:nvSpPr>
+          <p:cNvPr id="2" name="Title 1">
+            <a:extLst>
+              <a:ext uri="{FF2B5EF4-FFF2-40B4-BE49-F238E27FC236}">
+                <a16:creationId xmlns:a16="http://schemas.microsoft.com/office/drawing/2014/main" id="{74880610-6B8F-0049-0453-7CCE52B44BF3}"/>
+              </a:ext>
+            </a:extLst>
+          </p:cNvPr>
+          <p:cNvSpPr>
+            <a:spLocks noGrp="1"/>
+          </p:cNvSpPr>
+          <p:nvPr>
+            <p:ph type="title"/>
+          </p:nvPr>
+        </p:nvSpPr>
+        <p:spPr/>
+        <p:txBody>
+          <a:bodyPr/>
+          <a:lstStyle/>
+          <a:p>
+            <a:r>
+              <a:rPr lang="en-US" dirty="0"/>
+              <a:t>optional</a:t>
+            </a:r>
+          </a:p>
+        </p:txBody>
+      </p:sp>
+      <p:sp>
+        <p:nvSpPr>
+          <p:cNvPr id="3" name="Content Placeholder 2">
+            <a:extLst>
+              <a:ext uri="{FF2B5EF4-FFF2-40B4-BE49-F238E27FC236}">
+                <a16:creationId xmlns:a16="http://schemas.microsoft.com/office/drawing/2014/main" id="{6AABCCB0-7017-DF98-D434-B31366113BC7}"/>
+              </a:ext>
+            </a:extLst>
+          </p:cNvPr>
+          <p:cNvSpPr>
+            <a:spLocks noGrp="1"/>
+          </p:cNvSpPr>
+          <p:nvPr>
+            <p:ph idx="1"/>
+          </p:nvPr>
+        </p:nvSpPr>
+        <p:spPr>
+          <a:xfrm>
+            <a:off x="720754" y="1439731"/>
+            <a:ext cx="10515600" cy="4351338"/>
+          </a:xfrm>
+        </p:spPr>
+        <p:txBody>
+          <a:bodyPr>
+            <a:normAutofit/>
+          </a:bodyPr>
+          <a:lstStyle/>
+          <a:p>
+            <a:r>
+              <a:rPr lang="en-GB" dirty="0"/>
+              <a:t>Elements stored  as a dictionary without any </a:t>
+            </a:r>
+            <a:r>
+              <a:rPr lang="en-GB"/>
+              <a:t>order.</a:t>
+            </a:r>
+            <a:endParaRPr lang="en-GB" dirty="0"/>
+          </a:p>
+        </p:txBody>
+      </p:sp>
+    </p:spTree>
+    <p:extLst>
+      <p:ext uri="{BB962C8B-B14F-4D97-AF65-F5344CB8AC3E}">
+        <p14:creationId xmlns:p14="http://schemas.microsoft.com/office/powerpoint/2010/main" val="3384942037"/>
+      </p:ext>
+    </p:extLst>
+  </p:cSld>
+  <p:clrMapOvr>
+    <a:masterClrMapping/>
+  </p:clrMapOvr>
+</p:sld>
+</file>
+
+<file path=ppt/slides/slide9.xml><?xml version="1.0" encoding="utf-8"?>
 <p:sld xmlns:a="http://schemas.openxmlformats.org/drawingml/2006/main" xmlns:r="http://schemas.openxmlformats.org/officeDocument/2006/relationships" xmlns:p="http://schemas.openxmlformats.org/presentationml/2006/main">
   <p:cSld>
     <p:spTree>

--- a/CPP-Examples/STL/STL_Presentation.pptx
+++ b/CPP-Examples/STL/STL_Presentation.pptx
@@ -267,7 +267,7 @@
           <a:p>
             <a:fld id="{E2B668D4-B287-43EC-B7EB-12E01689B4F9}" type="datetimeFigureOut">
               <a:rPr lang="en-US" smtClean="0"/>
-              <a:t>20/10/2022</a:t>
+              <a:t>21-10-22</a:t>
             </a:fld>
             <a:endParaRPr lang="en-US"/>
           </a:p>
@@ -465,7 +465,7 @@
           <a:p>
             <a:fld id="{E2B668D4-B287-43EC-B7EB-12E01689B4F9}" type="datetimeFigureOut">
               <a:rPr lang="en-US" smtClean="0"/>
-              <a:t>20/10/2022</a:t>
+              <a:t>21-10-22</a:t>
             </a:fld>
             <a:endParaRPr lang="en-US"/>
           </a:p>
@@ -673,7 +673,7 @@
           <a:p>
             <a:fld id="{E2B668D4-B287-43EC-B7EB-12E01689B4F9}" type="datetimeFigureOut">
               <a:rPr lang="en-US" smtClean="0"/>
-              <a:t>20/10/2022</a:t>
+              <a:t>21-10-22</a:t>
             </a:fld>
             <a:endParaRPr lang="en-US"/>
           </a:p>
@@ -871,7 +871,7 @@
           <a:p>
             <a:fld id="{E2B668D4-B287-43EC-B7EB-12E01689B4F9}" type="datetimeFigureOut">
               <a:rPr lang="en-US" smtClean="0"/>
-              <a:t>20/10/2022</a:t>
+              <a:t>21-10-22</a:t>
             </a:fld>
             <a:endParaRPr lang="en-US"/>
           </a:p>
@@ -1146,7 +1146,7 @@
           <a:p>
             <a:fld id="{E2B668D4-B287-43EC-B7EB-12E01689B4F9}" type="datetimeFigureOut">
               <a:rPr lang="en-US" smtClean="0"/>
-              <a:t>20/10/2022</a:t>
+              <a:t>21-10-22</a:t>
             </a:fld>
             <a:endParaRPr lang="en-US"/>
           </a:p>
@@ -1411,7 +1411,7 @@
           <a:p>
             <a:fld id="{E2B668D4-B287-43EC-B7EB-12E01689B4F9}" type="datetimeFigureOut">
               <a:rPr lang="en-US" smtClean="0"/>
-              <a:t>20/10/2022</a:t>
+              <a:t>21-10-22</a:t>
             </a:fld>
             <a:endParaRPr lang="en-US"/>
           </a:p>
@@ -1823,7 +1823,7 @@
           <a:p>
             <a:fld id="{E2B668D4-B287-43EC-B7EB-12E01689B4F9}" type="datetimeFigureOut">
               <a:rPr lang="en-US" smtClean="0"/>
-              <a:t>20/10/2022</a:t>
+              <a:t>21-10-22</a:t>
             </a:fld>
             <a:endParaRPr lang="en-US"/>
           </a:p>
@@ -1964,7 +1964,7 @@
           <a:p>
             <a:fld id="{E2B668D4-B287-43EC-B7EB-12E01689B4F9}" type="datetimeFigureOut">
               <a:rPr lang="en-US" smtClean="0"/>
-              <a:t>20/10/2022</a:t>
+              <a:t>21-10-22</a:t>
             </a:fld>
             <a:endParaRPr lang="en-US"/>
           </a:p>
@@ -2077,7 +2077,7 @@
           <a:p>
             <a:fld id="{E2B668D4-B287-43EC-B7EB-12E01689B4F9}" type="datetimeFigureOut">
               <a:rPr lang="en-US" smtClean="0"/>
-              <a:t>20/10/2022</a:t>
+              <a:t>21-10-22</a:t>
             </a:fld>
             <a:endParaRPr lang="en-US"/>
           </a:p>
@@ -2388,7 +2388,7 @@
           <a:p>
             <a:fld id="{E2B668D4-B287-43EC-B7EB-12E01689B4F9}" type="datetimeFigureOut">
               <a:rPr lang="en-US" smtClean="0"/>
-              <a:t>20/10/2022</a:t>
+              <a:t>21-10-22</a:t>
             </a:fld>
             <a:endParaRPr lang="en-US"/>
           </a:p>
@@ -2676,7 +2676,7 @@
           <a:p>
             <a:fld id="{E2B668D4-B287-43EC-B7EB-12E01689B4F9}" type="datetimeFigureOut">
               <a:rPr lang="en-US" smtClean="0"/>
-              <a:t>20/10/2022</a:t>
+              <a:t>21-10-22</a:t>
             </a:fld>
             <a:endParaRPr lang="en-US"/>
           </a:p>
@@ -2917,7 +2917,7 @@
           <a:p>
             <a:fld id="{E2B668D4-B287-43EC-B7EB-12E01689B4F9}" type="datetimeFigureOut">
               <a:rPr lang="en-US" smtClean="0"/>
-              <a:t>20/10/2022</a:t>
+              <a:t>21-10-22</a:t>
             </a:fld>
             <a:endParaRPr lang="en-US"/>
           </a:p>
@@ -3355,7 +3355,10 @@
           <a:bodyPr/>
           <a:lstStyle/>
           <a:p>
-            <a:endParaRPr lang="en-US"/>
+            <a:r>
+              <a:rPr lang="en-US" dirty="0"/>
+              <a:t>C++ Presentation</a:t>
+            </a:r>
           </a:p>
         </p:txBody>
       </p:sp>
@@ -3437,7 +3440,7 @@
           <a:p>
             <a:r>
               <a:rPr lang="en-US" dirty="0"/>
-              <a:t>STL</a:t>
+              <a:t>Presentation 21/10/2022</a:t>
             </a:r>
           </a:p>
         </p:txBody>
@@ -3465,8 +3468,33 @@
           <a:p>
             <a:r>
               <a:rPr lang="en-US" dirty="0"/>
-              <a:t>Efficiently separates data structures and algorithms to operate on them.</a:t>
-            </a:r>
+              <a:t>vector</a:t>
+            </a:r>
+          </a:p>
+          <a:p>
+            <a:r>
+              <a:rPr lang="en-US" dirty="0"/>
+              <a:t>string</a:t>
+            </a:r>
+          </a:p>
+          <a:p>
+            <a:r>
+              <a:rPr lang="en-US" dirty="0" err="1"/>
+              <a:t>unordered_map</a:t>
+            </a:r>
+            <a:endParaRPr lang="en-US" dirty="0"/>
+          </a:p>
+          <a:p>
+            <a:r>
+              <a:rPr lang="en-US" dirty="0"/>
+              <a:t>optional</a:t>
+            </a:r>
+          </a:p>
+          <a:p>
+            <a:endParaRPr lang="en-US" dirty="0"/>
+          </a:p>
+          <a:p>
+            <a:endParaRPr lang="en-US" dirty="0"/>
           </a:p>
           <a:p>
             <a:endParaRPr lang="en-US" dirty="0"/>
@@ -3531,14 +3559,19 @@
             <p:ph type="title"/>
           </p:nvPr>
         </p:nvSpPr>
-        <p:spPr/>
+        <p:spPr>
+          <a:xfrm>
+            <a:off x="838200" y="325368"/>
+            <a:ext cx="10515600" cy="1325563"/>
+          </a:xfrm>
+        </p:spPr>
         <p:txBody>
           <a:bodyPr/>
           <a:lstStyle/>
           <a:p>
             <a:r>
               <a:rPr lang="en-US" dirty="0"/>
-              <a:t>vector</a:t>
+              <a:t>Std::vector</a:t>
             </a:r>
           </a:p>
         </p:txBody>
@@ -3579,7 +3612,13 @@
           <a:p>
             <a:r>
               <a:rPr lang="en-US" dirty="0"/>
-              <a:t>Iterators, Capacity, Element Access</a:t>
+              <a:t>Element access: Iterators and offset</a:t>
+            </a:r>
+          </a:p>
+          <a:p>
+            <a:r>
+              <a:rPr lang="en-US" dirty="0"/>
+              <a:t>Iterators, Capacity, Element Access, Modifiers</a:t>
             </a:r>
           </a:p>
           <a:p>
@@ -3627,7 +3666,7 @@
         </p:nvGrpSpPr>
         <p:grpSpPr>
           <a:xfrm>
-            <a:off x="7189365" y="2315361"/>
+            <a:off x="7199304" y="3229761"/>
             <a:ext cx="4572000" cy="2365696"/>
             <a:chOff x="7164198" y="2315361"/>
             <a:chExt cx="4572000" cy="2365696"/>
@@ -3799,13 +3838,13 @@
           <a:p>
             <a:r>
               <a:rPr lang="en-US" dirty="0"/>
-              <a:t>vector</a:t>
-            </a:r>
-          </a:p>
-        </p:txBody>
-      </p:sp>
-      <mc:AlternateContent xmlns:mc="http://schemas.openxmlformats.org/markup-compatibility/2006" xmlns:a14="http://schemas.microsoft.com/office/drawing/2010/main">
-        <mc:Choice Requires="a14">
+              <a:t>Std::vector</a:t>
+            </a:r>
+          </a:p>
+        </p:txBody>
+      </p:sp>
+      <mc:AlternateContent xmlns:mc="http://schemas.openxmlformats.org/markup-compatibility/2006">
+        <mc:Choice xmlns:a14="http://schemas.microsoft.com/office/drawing/2010/main" Requires="a14">
           <p:sp>
             <p:nvSpPr>
               <p:cNvPr id="3" name="Content Placeholder 2">
@@ -3830,7 +3869,7 @@
             </p:spPr>
             <p:txBody>
               <a:bodyPr>
-                <a:normAutofit/>
+                <a:normAutofit fontScale="92500" lnSpcReduction="10000"/>
               </a:bodyPr>
               <a:lstStyle/>
               <a:p>
@@ -3908,7 +3947,7 @@
                 </a:pPr>
                 <a:r>
                   <a:rPr lang="en-US" dirty="0"/>
-                  <a:t>Let 32 bit system and char = 1 bit. </a:t>
+                  <a:t>Let 32-bit system and char = 1 bit. </a:t>
                 </a:r>
                 <a:r>
                   <a:rPr lang="en-US" dirty="0" err="1"/>
@@ -3959,7 +3998,7 @@
                 </a:pPr>
                 <a:r>
                   <a:rPr lang="en-US" dirty="0"/>
-                  <a:t>Let 32 bit system and int = 4 bit. </a:t>
+                  <a:t>Let 32-bit system and int = 4 bit. </a:t>
                 </a:r>
                 <a:r>
                   <a:rPr lang="en-US" dirty="0" err="1"/>
@@ -4017,8 +4056,35 @@
                 </a:pPr>
                 <a:r>
                   <a:rPr lang="en-US" dirty="0"/>
-                  <a:t>emplace: ??</a:t>
+                  <a:t>emplace vs insert:</a:t>
                 </a:r>
+              </a:p>
+              <a:p>
+                <a:pPr lvl="2">
+                  <a:buFontTx/>
+                  <a:buChar char="-"/>
+                </a:pPr>
+                <a:r>
+                  <a:rPr lang="en-US" dirty="0"/>
+                  <a:t>Constructs objects vs copies object.</a:t>
+                </a:r>
+              </a:p>
+              <a:p>
+                <a:pPr lvl="2">
+                  <a:buFontTx/>
+                  <a:buChar char="-"/>
+                </a:pPr>
+                <a:r>
+                  <a:rPr lang="en-US" dirty="0"/>
+                  <a:t>Advantage ??</a:t>
+                </a:r>
+              </a:p>
+              <a:p>
+                <a:pPr lvl="2">
+                  <a:buFontTx/>
+                  <a:buChar char="-"/>
+                </a:pPr>
+                <a:endParaRPr lang="en-US" dirty="0"/>
               </a:p>
               <a:p>
                 <a:pPr lvl="2">
@@ -4049,7 +4115,7 @@
             </p:txBody>
           </p:sp>
         </mc:Choice>
-        <mc:Fallback xmlns="">
+        <mc:Fallback>
           <p:sp>
             <p:nvSpPr>
               <p:cNvPr id="3" name="Content Placeholder 2">
@@ -4074,7 +4140,7 @@
               <a:blipFill>
                 <a:blip r:embed="rId2"/>
                 <a:stretch>
-                  <a:fillRect l="-1043" t="-2241" b="-3221"/>
+                  <a:fillRect l="-870" t="-2801"/>
                 </a:stretch>
               </a:blipFill>
             </p:spPr>
@@ -4083,7 +4149,7 @@
               <a:lstStyle/>
               <a:p>
                 <a:r>
-                  <a:rPr lang="en-US">
+                  <a:rPr lang="en-GB">
                     <a:noFill/>
                   </a:rPr>
                   <a:t> </a:t>
@@ -4093,6 +4159,36 @@
           </p:sp>
         </mc:Fallback>
       </mc:AlternateContent>
+      <p:pic>
+        <p:nvPicPr>
+          <p:cNvPr id="5" name="Picture 4">
+            <a:extLst>
+              <a:ext uri="{FF2B5EF4-FFF2-40B4-BE49-F238E27FC236}">
+                <a16:creationId xmlns:a16="http://schemas.microsoft.com/office/drawing/2014/main" id="{F524142A-968D-2675-30F5-CCC286FB8486}"/>
+              </a:ext>
+            </a:extLst>
+          </p:cNvPr>
+          <p:cNvPicPr>
+            <a:picLocks noChangeAspect="1"/>
+          </p:cNvPicPr>
+          <p:nvPr/>
+        </p:nvPicPr>
+        <p:blipFill>
+          <a:blip r:embed="rId3"/>
+          <a:stretch>
+            <a:fillRect/>
+          </a:stretch>
+        </p:blipFill>
+        <p:spPr>
+          <a:xfrm>
+            <a:off x="5978554" y="4651399"/>
+            <a:ext cx="4887007" cy="1533739"/>
+          </a:xfrm>
+          <a:prstGeom prst="rect">
+            <a:avLst/>
+          </a:prstGeom>
+        </p:spPr>
+      </p:pic>
     </p:spTree>
     <p:extLst>
       <p:ext uri="{BB962C8B-B14F-4D97-AF65-F5344CB8AC3E}">
